--- a/Slides - Vishal Narsinghani.pptx
+++ b/Slides - Vishal Narsinghani.pptx
@@ -5,12 +5,13 @@
     <p:sldMasterId id="2147483648" r:id="rId1"/>
   </p:sldMasterIdLst>
   <p:notesMasterIdLst>
-    <p:notesMasterId r:id="rId5"/>
+    <p:notesMasterId r:id="rId6"/>
   </p:notesMasterIdLst>
   <p:sldIdLst>
     <p:sldId id="486" r:id="rId2"/>
     <p:sldId id="487" r:id="rId3"/>
     <p:sldId id="489" r:id="rId4"/>
+    <p:sldId id="491" r:id="rId5"/>
   </p:sldIdLst>
   <p:sldSz cx="12192000" cy="6858000"/>
   <p:notesSz cx="12192000" cy="6858000"/>
@@ -2458,7 +2459,7 @@
               <a:t>Reviewed data and information </a:t>
             </a:r>
             <a:r>
-              <a:rPr lang="en-US" sz="1100" dirty="0">
+              <a:rPr sz="1100">
                 <a:solidFill>
                   <a:schemeClr val="tx1">
                     <a:lumMod val="50000"/>
@@ -2468,10 +2469,10 @@
                 <a:latin typeface="Verdana"/>
                 <a:cs typeface="Verdana"/>
               </a:rPr>
-              <a:t>are </a:t>
-            </a:r>
-            <a:r>
-              <a:rPr sz="1100" dirty="0">
+              <a:t>collected </a:t>
+            </a:r>
+            <a:r>
+              <a:rPr sz="1100" spc="-5">
                 <a:solidFill>
                   <a:schemeClr val="tx1">
                     <a:lumMod val="50000"/>
@@ -2481,10 +2482,10 @@
                 <a:latin typeface="Verdana"/>
                 <a:cs typeface="Verdana"/>
               </a:rPr>
-              <a:t>collected </a:t>
-            </a:r>
-            <a:r>
-              <a:rPr sz="1100" spc="-5" dirty="0">
+              <a:t>on</a:t>
+            </a:r>
+            <a:r>
+              <a:rPr lang="en-US" sz="1100" spc="-5">
                 <a:solidFill>
                   <a:schemeClr val="tx1">
                     <a:lumMod val="50000"/>
@@ -2494,10 +2495,10 @@
                 <a:latin typeface="Verdana"/>
                 <a:cs typeface="Verdana"/>
               </a:rPr>
-              <a:t>on </a:t>
-            </a:r>
-            <a:r>
-              <a:rPr sz="1100" dirty="0">
+              <a:t> </a:t>
+            </a:r>
+            <a:r>
+              <a:rPr sz="1100">
                 <a:solidFill>
                   <a:schemeClr val="tx1">
                     <a:lumMod val="50000"/>
@@ -2519,10 +2520,10 @@
                 </a:solidFill>
                 <a:latin typeface="Verdana"/>
               </a:rPr>
-              <a:t>process at an activity level and </a:t>
-            </a:r>
-            <a:r>
-              <a:rPr lang="en-US" sz="1100" spc="-5" dirty="0">
+              <a:t>process at </a:t>
+            </a:r>
+            <a:r>
+              <a:rPr sz="1100" spc="-5">
                 <a:solidFill>
                   <a:schemeClr val="tx1">
                     <a:lumMod val="50000"/>
@@ -2531,10 +2532,10 @@
                 </a:solidFill>
                 <a:latin typeface="Verdana"/>
               </a:rPr>
-              <a:t>the </a:t>
-            </a:r>
-            <a:r>
-              <a:rPr sz="1100" spc="-5" dirty="0">
+              <a:t>an activity</a:t>
+            </a:r>
+            <a:r>
+              <a:rPr lang="en-US" sz="1100" spc="-5">
                 <a:solidFill>
                   <a:schemeClr val="tx1">
                     <a:lumMod val="50000"/>
@@ -2543,10 +2544,10 @@
                 </a:solidFill>
                 <a:latin typeface="Verdana"/>
               </a:rPr>
-              <a:t>same </a:t>
-            </a:r>
-            <a:r>
-              <a:rPr lang="en-US" sz="1100" spc="-5" dirty="0">
+              <a:t> </a:t>
+            </a:r>
+            <a:r>
+              <a:rPr sz="1100" spc="-5">
                 <a:solidFill>
                   <a:schemeClr val="tx1">
                     <a:lumMod val="50000"/>
@@ -2555,7 +2556,55 @@
                 </a:solidFill>
                 <a:latin typeface="Verdana"/>
               </a:rPr>
-              <a:t>is validated </a:t>
+              <a:t>level </a:t>
+            </a:r>
+            <a:r>
+              <a:rPr sz="1100" spc="-5" dirty="0">
+                <a:solidFill>
+                  <a:schemeClr val="tx1">
+                    <a:lumMod val="50000"/>
+                    <a:lumOff val="50000"/>
+                  </a:schemeClr>
+                </a:solidFill>
+                <a:latin typeface="Verdana"/>
+              </a:rPr>
+              <a:t>and </a:t>
+            </a:r>
+            <a:r>
+              <a:rPr sz="1100" spc="-5">
+                <a:solidFill>
+                  <a:schemeClr val="tx1">
+                    <a:lumMod val="50000"/>
+                    <a:lumOff val="50000"/>
+                  </a:schemeClr>
+                </a:solidFill>
+                <a:latin typeface="Verdana"/>
+              </a:rPr>
+              <a:t>validated the</a:t>
+            </a:r>
+            <a:r>
+              <a:rPr lang="en-US" sz="1100" spc="-5">
+                <a:solidFill>
+                  <a:schemeClr val="tx1">
+                    <a:lumMod val="50000"/>
+                    <a:lumOff val="50000"/>
+                  </a:schemeClr>
+                </a:solidFill>
+                <a:latin typeface="Verdana"/>
+              </a:rPr>
+              <a:t> </a:t>
+            </a:r>
+            <a:r>
+              <a:rPr sz="1100" spc="-5">
+                <a:solidFill>
+                  <a:schemeClr val="tx1">
+                    <a:lumMod val="50000"/>
+                    <a:lumOff val="50000"/>
+                  </a:schemeClr>
+                </a:solidFill>
+                <a:latin typeface="Verdana"/>
+              </a:rPr>
+              <a:t>same </a:t>
             </a:r>
             <a:r>
               <a:rPr sz="1100" spc="-5" dirty="0">
@@ -3033,10 +3082,10 @@
                 <a:latin typeface="Verdana"/>
                 <a:cs typeface="Verdana"/>
               </a:rPr>
-              <a:t>Current state high level p</a:t>
-            </a:r>
-            <a:r>
-              <a:rPr sz="1100" spc="-5" dirty="0">
+              <a:t>Current state </a:t>
+            </a:r>
+            <a:r>
+              <a:rPr lang="en-US" sz="1100" spc="-5">
                 <a:solidFill>
                   <a:schemeClr val="tx1">
                     <a:lumMod val="50000"/>
@@ -3046,10 +3095,10 @@
                 <a:latin typeface="Verdana"/>
                 <a:cs typeface="Verdana"/>
               </a:rPr>
-              <a:t>rocess flow </a:t>
-            </a:r>
-            <a:r>
-              <a:rPr lang="en-US" sz="1100" spc="-5" dirty="0">
+              <a:t>p</a:t>
+            </a:r>
+            <a:r>
+              <a:rPr sz="1100" spc="-5">
                 <a:solidFill>
                   <a:schemeClr val="tx1">
                     <a:lumMod val="50000"/>
@@ -3059,7 +3108,46 @@
                 <a:latin typeface="Verdana"/>
                 <a:cs typeface="Verdana"/>
               </a:rPr>
-              <a:t>is developed using diagraming tools.</a:t>
+              <a:t>rocess</a:t>
+            </a:r>
+            <a:r>
+              <a:rPr lang="en-US" sz="1100" spc="-5">
+                <a:solidFill>
+                  <a:schemeClr val="tx1">
+                    <a:lumMod val="50000"/>
+                    <a:lumOff val="50000"/>
+                  </a:schemeClr>
+                </a:solidFill>
+                <a:latin typeface="Verdana"/>
+                <a:cs typeface="Verdana"/>
+              </a:rPr>
+              <a:t> </a:t>
+            </a:r>
+            <a:r>
+              <a:rPr sz="1100" spc="-5">
+                <a:solidFill>
+                  <a:schemeClr val="tx1">
+                    <a:lumMod val="50000"/>
+                    <a:lumOff val="50000"/>
+                  </a:schemeClr>
+                </a:solidFill>
+                <a:latin typeface="Verdana"/>
+                <a:cs typeface="Verdana"/>
+              </a:rPr>
+              <a:t>flow </a:t>
+            </a:r>
+            <a:r>
+              <a:rPr lang="en-US" sz="1100" spc="-5" dirty="0">
+                <a:solidFill>
+                  <a:schemeClr val="tx1">
+                    <a:lumMod val="50000"/>
+                    <a:lumOff val="50000"/>
+                  </a:schemeClr>
+                </a:solidFill>
+                <a:latin typeface="Verdana"/>
+                <a:cs typeface="Verdana"/>
+              </a:rPr>
+              <a:t>is developed.</a:t>
             </a:r>
             <a:endParaRPr sz="1100" dirty="0">
               <a:solidFill>
@@ -3082,7 +3170,7 @@
               </a:tabLst>
             </a:pPr>
             <a:r>
-              <a:rPr sz="1100" dirty="0">
+              <a:rPr sz="1100">
                 <a:solidFill>
                   <a:schemeClr val="tx1">
                     <a:lumMod val="50000"/>
@@ -3095,7 +3183,7 @@
               <a:t>Collected </a:t>
             </a:r>
             <a:r>
-              <a:rPr sz="1100" spc="-5" dirty="0">
+              <a:rPr sz="1100" spc="-5">
                 <a:solidFill>
                   <a:schemeClr val="tx1">
                     <a:lumMod val="50000"/>
@@ -3108,7 +3196,7 @@
               <a:t>additional</a:t>
             </a:r>
             <a:r>
-              <a:rPr lang="en-US" sz="1100" spc="-5" dirty="0">
+              <a:rPr lang="en-US" sz="1100" spc="-5">
                 <a:solidFill>
                   <a:schemeClr val="tx1">
                     <a:lumMod val="50000"/>
@@ -3121,7 +3209,7 @@
               <a:t> </a:t>
             </a:r>
             <a:r>
-              <a:rPr sz="1100" spc="-5" dirty="0">
+              <a:rPr sz="1100" spc="-5">
                 <a:solidFill>
                   <a:schemeClr val="tx1">
                     <a:lumMod val="50000"/>
@@ -3131,10 +3219,10 @@
                 <a:latin typeface="Verdana"/>
                 <a:cs typeface="Verdana"/>
               </a:rPr>
-              <a:t>information on processes </a:t>
-            </a:r>
-            <a:r>
-              <a:rPr sz="1100" dirty="0">
+              <a:t>information on processes</a:t>
+            </a:r>
+            <a:r>
+              <a:rPr lang="en-US" sz="1100" spc="-5">
                 <a:solidFill>
                   <a:schemeClr val="tx1">
                     <a:lumMod val="50000"/>
@@ -3144,10 +3232,10 @@
                 <a:latin typeface="Verdana"/>
                 <a:cs typeface="Verdana"/>
               </a:rPr>
-              <a:t>and </a:t>
-            </a:r>
-            <a:r>
-              <a:rPr sz="1100" spc="5" dirty="0">
+              <a:t> </a:t>
+            </a:r>
+            <a:r>
+              <a:rPr sz="1100">
                 <a:solidFill>
                   <a:schemeClr val="tx1">
                     <a:lumMod val="50000"/>
@@ -3157,10 +3245,10 @@
                 <a:latin typeface="Verdana"/>
                 <a:cs typeface="Verdana"/>
               </a:rPr>
-              <a:t>collated all</a:t>
-            </a:r>
-            <a:r>
-              <a:rPr lang="en-US" sz="1100" spc="5" dirty="0">
+              <a:t>and </a:t>
+            </a:r>
+            <a:r>
+              <a:rPr sz="1100" spc="5">
                 <a:solidFill>
                   <a:schemeClr val="tx1">
                     <a:lumMod val="50000"/>
@@ -3170,10 +3258,10 @@
                 <a:latin typeface="Verdana"/>
                 <a:cs typeface="Verdana"/>
               </a:rPr>
-              <a:t> </a:t>
-            </a:r>
-            <a:r>
-              <a:rPr sz="1100" dirty="0">
+              <a:t>collated all</a:t>
+            </a:r>
+            <a:r>
+              <a:rPr lang="en-US" sz="1100" spc="5">
                 <a:solidFill>
                   <a:schemeClr val="tx1">
                     <a:lumMod val="50000"/>
@@ -3183,10 +3271,10 @@
                 <a:latin typeface="Verdana"/>
                 <a:cs typeface="Verdana"/>
               </a:rPr>
-              <a:t>relevant </a:t>
-            </a:r>
-            <a:r>
-              <a:rPr sz="1100" spc="-5" dirty="0">
+              <a:t> </a:t>
+            </a:r>
+            <a:r>
+              <a:rPr sz="1100">
                 <a:solidFill>
                   <a:schemeClr val="tx1">
                     <a:lumMod val="50000"/>
@@ -3196,10 +3284,10 @@
                 <a:latin typeface="Verdana"/>
                 <a:cs typeface="Verdana"/>
               </a:rPr>
-              <a:t>process </a:t>
-            </a:r>
-            <a:r>
-              <a:rPr sz="1100" dirty="0">
+              <a:t>relevant </a:t>
+            </a:r>
+            <a:r>
+              <a:rPr sz="1100" spc="-5" dirty="0">
                 <a:solidFill>
                   <a:schemeClr val="tx1">
                     <a:lumMod val="50000"/>
@@ -3209,10 +3297,10 @@
                 <a:latin typeface="Verdana"/>
                 <a:cs typeface="Verdana"/>
               </a:rPr>
-              <a:t>meta data</a:t>
-            </a:r>
-            <a:r>
-              <a:rPr lang="en-US" sz="1100" dirty="0">
+              <a:t>process </a:t>
+            </a:r>
+            <a:r>
+              <a:rPr sz="1100">
                 <a:solidFill>
                   <a:schemeClr val="tx1">
                     <a:lumMod val="50000"/>
@@ -3222,10 +3310,10 @@
                 <a:latin typeface="Verdana"/>
                 <a:cs typeface="Verdana"/>
               </a:rPr>
-              <a:t> </a:t>
-            </a:r>
-            <a:r>
-              <a:rPr sz="1100" spc="10" dirty="0">
+              <a:t>meta data</a:t>
+            </a:r>
+            <a:r>
+              <a:rPr lang="en-US" sz="1100">
                 <a:solidFill>
                   <a:schemeClr val="tx1">
                     <a:lumMod val="50000"/>
@@ -3235,10 +3323,10 @@
                 <a:latin typeface="Verdana"/>
                 <a:cs typeface="Verdana"/>
               </a:rPr>
-              <a:t>in </a:t>
-            </a:r>
-            <a:r>
-              <a:rPr sz="1100" dirty="0">
+              <a:t> </a:t>
+            </a:r>
+            <a:r>
+              <a:rPr sz="1100" spc="10">
                 <a:solidFill>
                   <a:schemeClr val="tx1">
                     <a:lumMod val="50000"/>
@@ -3248,10 +3336,10 @@
                 <a:latin typeface="Verdana"/>
                 <a:cs typeface="Verdana"/>
               </a:rPr>
-              <a:t>the </a:t>
-            </a:r>
-            <a:r>
-              <a:rPr sz="1100" spc="-5" dirty="0">
+              <a:t>in </a:t>
+            </a:r>
+            <a:r>
+              <a:rPr sz="1100" dirty="0">
                 <a:solidFill>
                   <a:schemeClr val="tx1">
                     <a:lumMod val="50000"/>
@@ -3261,10 +3349,10 @@
                 <a:latin typeface="Verdana"/>
                 <a:cs typeface="Verdana"/>
               </a:rPr>
-              <a:t>form of process</a:t>
-            </a:r>
-            <a:r>
-              <a:rPr lang="en-US" sz="1100" spc="-5" dirty="0">
+              <a:t>the </a:t>
+            </a:r>
+            <a:r>
+              <a:rPr sz="1100" spc="-5" dirty="0">
                 <a:solidFill>
                   <a:schemeClr val="tx1">
                     <a:lumMod val="50000"/>
@@ -3274,10 +3362,10 @@
                 <a:latin typeface="Verdana"/>
                 <a:cs typeface="Verdana"/>
               </a:rPr>
-              <a:t> </a:t>
-            </a:r>
-            <a:r>
-              <a:rPr sz="1100" spc="-5" dirty="0">
+              <a:t>form </a:t>
+            </a:r>
+            <a:r>
+              <a:rPr sz="1100" spc="-5">
                 <a:solidFill>
                   <a:schemeClr val="tx1">
                     <a:lumMod val="50000"/>
@@ -3287,7 +3375,46 @@
                 <a:latin typeface="Verdana"/>
                 <a:cs typeface="Verdana"/>
               </a:rPr>
-              <a:t>repository for</a:t>
+              <a:t>of process</a:t>
+            </a:r>
+            <a:r>
+              <a:rPr lang="en-US" sz="1100" spc="-5">
+                <a:solidFill>
+                  <a:schemeClr val="tx1">
+                    <a:lumMod val="50000"/>
+                    <a:lumOff val="50000"/>
+                  </a:schemeClr>
+                </a:solidFill>
+                <a:latin typeface="Verdana"/>
+                <a:cs typeface="Verdana"/>
+              </a:rPr>
+              <a:t> </a:t>
+            </a:r>
+            <a:r>
+              <a:rPr sz="1100" spc="-5">
+                <a:solidFill>
+                  <a:schemeClr val="tx1">
+                    <a:lumMod val="50000"/>
+                    <a:lumOff val="50000"/>
+                  </a:schemeClr>
+                </a:solidFill>
+                <a:latin typeface="Verdana"/>
+                <a:cs typeface="Verdana"/>
+              </a:rPr>
+              <a:t>repository </a:t>
+            </a:r>
+            <a:r>
+              <a:rPr sz="1100" spc="-5" dirty="0">
+                <a:solidFill>
+                  <a:schemeClr val="tx1">
+                    <a:lumMod val="50000"/>
+                    <a:lumOff val="50000"/>
+                  </a:schemeClr>
+                </a:solidFill>
+                <a:latin typeface="Verdana"/>
+                <a:cs typeface="Verdana"/>
+              </a:rPr>
+              <a:t>for</a:t>
             </a:r>
             <a:r>
               <a:rPr sz="1100" spc="-15" dirty="0">
@@ -3392,10 +3519,10 @@
                 </a:solidFill>
                 <a:latin typeface="Verdana"/>
               </a:rPr>
-              <a:t> processes based on ‘Impact</a:t>
-            </a:r>
-            <a:r>
-              <a:rPr lang="en-US" sz="1100" dirty="0">
+              <a:t> processes based on </a:t>
+            </a:r>
+            <a:r>
+              <a:rPr sz="1100">
                 <a:solidFill>
                   <a:schemeClr val="tx1">
                     <a:lumMod val="50000"/>
@@ -3404,10 +3531,10 @@
                 </a:solidFill>
                 <a:latin typeface="Verdana"/>
               </a:rPr>
-              <a:t> </a:t>
-            </a:r>
-            <a:r>
-              <a:rPr sz="1100" dirty="0">
+              <a:t>‘Impact</a:t>
+            </a:r>
+            <a:r>
+              <a:rPr lang="en-US" sz="1100">
                 <a:solidFill>
                   <a:schemeClr val="tx1">
                     <a:lumMod val="50000"/>
@@ -3416,10 +3543,10 @@
                 </a:solidFill>
                 <a:latin typeface="Verdana"/>
               </a:rPr>
-              <a:t>on organization’ and ‘Ease</a:t>
-            </a:r>
-            <a:r>
-              <a:rPr lang="en-US" sz="1100" dirty="0">
+              <a:t> </a:t>
+            </a:r>
+            <a:r>
+              <a:rPr sz="1100">
                 <a:solidFill>
                   <a:schemeClr val="tx1">
                     <a:lumMod val="50000"/>
@@ -3428,7 +3555,7 @@
                 </a:solidFill>
                 <a:latin typeface="Verdana"/>
               </a:rPr>
-              <a:t> </a:t>
+              <a:t>on </a:t>
             </a:r>
             <a:r>
               <a:rPr sz="1100" dirty="0">
@@ -3440,7 +3567,55 @@
                 </a:solidFill>
                 <a:latin typeface="Verdana"/>
               </a:rPr>
-              <a:t>of implementation’</a:t>
+              <a:t>organization’ and </a:t>
+            </a:r>
+            <a:r>
+              <a:rPr sz="1100">
+                <a:solidFill>
+                  <a:schemeClr val="tx1">
+                    <a:lumMod val="50000"/>
+                    <a:lumOff val="50000"/>
+                  </a:schemeClr>
+                </a:solidFill>
+                <a:latin typeface="Verdana"/>
+              </a:rPr>
+              <a:t>‘Ease</a:t>
+            </a:r>
+            <a:r>
+              <a:rPr lang="en-US" sz="1100">
+                <a:solidFill>
+                  <a:schemeClr val="tx1">
+                    <a:lumMod val="50000"/>
+                    <a:lumOff val="50000"/>
+                  </a:schemeClr>
+                </a:solidFill>
+                <a:latin typeface="Verdana"/>
+              </a:rPr>
+              <a:t> </a:t>
+            </a:r>
+            <a:r>
+              <a:rPr sz="1100">
+                <a:solidFill>
+                  <a:schemeClr val="tx1">
+                    <a:lumMod val="50000"/>
+                    <a:lumOff val="50000"/>
+                  </a:schemeClr>
+                </a:solidFill>
+                <a:latin typeface="Verdana"/>
+              </a:rPr>
+              <a:t>of </a:t>
+            </a:r>
+            <a:r>
+              <a:rPr sz="1100" dirty="0">
+                <a:solidFill>
+                  <a:schemeClr val="tx1">
+                    <a:lumMod val="50000"/>
+                    <a:lumOff val="50000"/>
+                  </a:schemeClr>
+                </a:solidFill>
+                <a:latin typeface="Verdana"/>
+              </a:rPr>
+              <a:t>implementation’</a:t>
             </a:r>
           </a:p>
           <a:p>
@@ -3526,10 +3701,10 @@
                 </a:solidFill>
                 <a:latin typeface="Verdana"/>
               </a:rPr>
-              <a:t> to management</a:t>
-            </a:r>
-            <a:r>
-              <a:rPr lang="en-US" sz="1100" spc="-5" dirty="0">
+              <a:t> </a:t>
+            </a:r>
+            <a:r>
+              <a:rPr sz="1100" spc="-5">
                 <a:solidFill>
                   <a:schemeClr val="tx1">
                     <a:lumMod val="50000"/>
@@ -3538,10 +3713,10 @@
                 </a:solidFill>
                 <a:latin typeface="Verdana"/>
               </a:rPr>
-              <a:t> </a:t>
-            </a:r>
-            <a:r>
-              <a:rPr sz="1100" spc="-5" dirty="0">
+              <a:t>to management</a:t>
+            </a:r>
+            <a:r>
+              <a:rPr lang="en-US" sz="1100" spc="-5">
                 <a:solidFill>
                   <a:schemeClr val="tx1">
                     <a:lumMod val="50000"/>
@@ -3550,10 +3725,10 @@
                 </a:solidFill>
                 <a:latin typeface="Verdana"/>
               </a:rPr>
-              <a:t>with potential FTE</a:t>
-            </a:r>
-            <a:r>
-              <a:rPr lang="en-US" sz="1100" spc="-5" dirty="0">
+              <a:t> </a:t>
+            </a:r>
+            <a:r>
+              <a:rPr sz="1100" spc="-5">
                 <a:solidFill>
                   <a:schemeClr val="tx1">
                     <a:lumMod val="50000"/>
@@ -3562,10 +3737,10 @@
                 </a:solidFill>
                 <a:latin typeface="Verdana"/>
               </a:rPr>
-              <a:t> </a:t>
-            </a:r>
-            <a:r>
-              <a:rPr sz="1100" spc="-5" dirty="0">
+              <a:t>with potential FTE</a:t>
+            </a:r>
+            <a:r>
+              <a:rPr lang="en-US" sz="1100" spc="-5">
                 <a:solidFill>
                   <a:schemeClr val="tx1">
                     <a:lumMod val="50000"/>
@@ -3574,10 +3749,10 @@
                 </a:solidFill>
                 <a:latin typeface="Verdana"/>
               </a:rPr>
-              <a:t>benefits and complexity</a:t>
-            </a:r>
-            <a:r>
-              <a:rPr lang="en-US" sz="1100" spc="-5" dirty="0">
+              <a:t> </a:t>
+            </a:r>
+            <a:r>
+              <a:rPr sz="1100" spc="-5">
                 <a:solidFill>
                   <a:schemeClr val="tx1">
                     <a:lumMod val="50000"/>
@@ -3586,10 +3761,10 @@
                 </a:solidFill>
                 <a:latin typeface="Verdana"/>
               </a:rPr>
-              <a:t> </a:t>
-            </a:r>
-            <a:r>
-              <a:rPr sz="1100" spc="-5" dirty="0">
+              <a:t>benefits and complexity</a:t>
+            </a:r>
+            <a:r>
+              <a:rPr lang="en-US" sz="1100" spc="-5">
                 <a:solidFill>
                   <a:schemeClr val="tx1">
                     <a:lumMod val="50000"/>
@@ -3598,7 +3773,31 @@
                 </a:solidFill>
                 <a:latin typeface="Verdana"/>
               </a:rPr>
-              <a:t>levels for implementation</a:t>
+              <a:t> </a:t>
+            </a:r>
+            <a:r>
+              <a:rPr sz="1100" spc="-5">
+                <a:solidFill>
+                  <a:schemeClr val="tx1">
+                    <a:lumMod val="50000"/>
+                    <a:lumOff val="50000"/>
+                  </a:schemeClr>
+                </a:solidFill>
+                <a:latin typeface="Verdana"/>
+              </a:rPr>
+              <a:t>levels </a:t>
+            </a:r>
+            <a:r>
+              <a:rPr sz="1100" spc="-5" dirty="0">
+                <a:solidFill>
+                  <a:schemeClr val="tx1">
+                    <a:lumMod val="50000"/>
+                    <a:lumOff val="50000"/>
+                  </a:schemeClr>
+                </a:solidFill>
+                <a:latin typeface="Verdana"/>
+              </a:rPr>
+              <a:t>for implementation</a:t>
             </a:r>
           </a:p>
         </p:txBody>
@@ -3638,7 +3837,7 @@
             </a:pPr>
             <a:r>
               <a:rPr lang="en-US" dirty="0"/>
-              <a:t>Process</a:t>
+              <a:t>Process Evaluation</a:t>
             </a:r>
             <a:endParaRPr spc="-5" dirty="0"/>
           </a:p>
@@ -4754,7 +4953,7 @@
         </p:nvSpPr>
         <p:spPr>
           <a:xfrm>
-            <a:off x="1854213" y="5706467"/>
+            <a:off x="1869232" y="5703622"/>
             <a:ext cx="5903168" cy="351378"/>
           </a:xfrm>
           <a:prstGeom prst="rect">
@@ -4785,29 +4984,7 @@
                 </a:solidFill>
                 <a:latin typeface="Verdana"/>
               </a:rPr>
-              <a:t>At this stage we validate the assumptions, calculate benefits. </a:t>
-            </a:r>
-          </a:p>
-          <a:p>
-            <a:pPr marL="12065" marR="5080" algn="just">
-              <a:lnSpc>
-                <a:spcPct val="100000"/>
-              </a:lnSpc>
-              <a:tabLst>
-                <a:tab pos="180340" algn="l"/>
-              </a:tabLst>
-            </a:pPr>
-            <a:r>
-              <a:rPr lang="en-US" sz="1100" dirty="0">
-                <a:solidFill>
-                  <a:schemeClr val="tx1">
-                    <a:lumMod val="50000"/>
-                    <a:lumOff val="50000"/>
-                  </a:schemeClr>
-                </a:solidFill>
-                <a:latin typeface="Verdana"/>
-              </a:rPr>
-              <a:t>A roadmap is presented before receiving a sign-off from business.</a:t>
+              <a:t>At this stage we validate the assumptions, benefits are calculated and roadmap is presented before a sign-off from business to implement.</a:t>
             </a:r>
             <a:endParaRPr sz="1100" spc="-5" dirty="0">
               <a:solidFill>
@@ -7851,7 +8028,7 @@
                 </a:solidFill>
                 <a:latin typeface="Verdana"/>
               </a:rPr>
-              <a:t>If this is an automation process, technology teams enters at this stage to develop a bot based on the above design. If not, then the change management team might come into picture to design new SOPs and documents, setup workshops and training sessions to implement the change. The key here is to transition as smoothly as possible : keeping the rollback option available. </a:t>
+              <a:t>If this is a automation related process, technology teams enters at this stage to develop a bot based on the above design. If its not an IT processes, the change management team comes into picture to design new SOPs and documents, setup workshops and training sessions to implement the change. The key here is to transition as smoothly as possible : keeping the rollback alive. </a:t>
             </a:r>
           </a:p>
         </p:txBody>
@@ -8005,7 +8182,7 @@
         <p:spPr>
           <a:xfrm>
             <a:off x="1869231" y="5101268"/>
-            <a:ext cx="6055213" cy="897682"/>
+            <a:ext cx="6055213" cy="728405"/>
           </a:xfrm>
           <a:prstGeom prst="rect">
             <a:avLst/>
@@ -8059,7 +8236,7 @@
                 </a:solidFill>
                 <a:latin typeface="Verdana"/>
               </a:rPr>
-              <a:t>These metrics and comparisons help improve estimations for upcoming transformation.</a:t>
+              <a:t>These metrics and comparison helps in the next transformation.</a:t>
             </a:r>
           </a:p>
         </p:txBody>
@@ -8247,8 +8424,8 @@
               <a:rPr lang="en-US" sz="1000" spc="-5" dirty="0">
                 <a:solidFill>
                   <a:schemeClr val="tx1">
-                    <a:lumMod val="75000"/>
-                    <a:lumOff val="25000"/>
+                    <a:lumMod val="85000"/>
+                    <a:lumOff val="15000"/>
                   </a:schemeClr>
                 </a:solidFill>
                 <a:latin typeface="Verdana"/>
@@ -8272,25 +8449,25 @@
               <a:rPr lang="en-US" sz="1000" spc="-5" dirty="0">
                 <a:solidFill>
                   <a:schemeClr val="tx1">
-                    <a:lumMod val="75000"/>
-                    <a:lumOff val="25000"/>
+                    <a:lumMod val="85000"/>
+                    <a:lumOff val="15000"/>
                   </a:schemeClr>
                 </a:solidFill>
                 <a:latin typeface="Verdana"/>
               </a:rPr>
-              <a:t>To set the context, a conglomerate had 39 ERPs, entries from which were consolidated for posting on monthly basis. </a:t>
+              <a:t>To set the context, a conglomerate had 39 ERPs entries from which were consolidated for posting on monthly basis. </a:t>
             </a:r>
             <a:r>
               <a:rPr lang="en-US" altLang="ja-JP" sz="1000" spc="-5" dirty="0">
                 <a:solidFill>
                   <a:schemeClr val="tx1">
-                    <a:lumMod val="75000"/>
-                    <a:lumOff val="25000"/>
+                    <a:lumMod val="85000"/>
+                    <a:lumOff val="15000"/>
                   </a:schemeClr>
                 </a:solidFill>
                 <a:latin typeface="Verdana"/>
               </a:rPr>
-              <a:t>The entire process required multiple days of full-time effort of more than 4 teams every month. Different teams handled different ERPs. </a:t>
+              <a:t>The entire process required multiple days of effort of more than 4 teams every month. Different teams handled different ERPs. </a:t>
             </a:r>
           </a:p>
           <a:p>
@@ -8309,8 +8486,8 @@
               <a:rPr lang="en-US" altLang="ja-JP" sz="1000" spc="-5" dirty="0">
                 <a:solidFill>
                   <a:schemeClr val="tx1">
-                    <a:lumMod val="75000"/>
-                    <a:lumOff val="25000"/>
+                    <a:lumMod val="85000"/>
+                    <a:lumOff val="15000"/>
                   </a:schemeClr>
                 </a:solidFill>
                 <a:latin typeface="Verdana"/>
@@ -8334,8 +8511,8 @@
               <a:rPr lang="en-US" altLang="ja-JP" sz="1000" spc="-5" dirty="0">
                 <a:solidFill>
                   <a:schemeClr val="tx1">
-                    <a:lumMod val="75000"/>
-                    <a:lumOff val="25000"/>
+                    <a:lumMod val="85000"/>
+                    <a:lumOff val="15000"/>
                   </a:schemeClr>
                 </a:solidFill>
                 <a:latin typeface="Verdana"/>
@@ -8346,8 +8523,8 @@
               <a:rPr lang="en-US" sz="1000" dirty="0">
                 <a:solidFill>
                   <a:schemeClr val="tx1">
-                    <a:lumMod val="75000"/>
-                    <a:lumOff val="25000"/>
+                    <a:lumMod val="85000"/>
+                    <a:lumOff val="15000"/>
                   </a:schemeClr>
                 </a:solidFill>
                 <a:latin typeface="Verdana" panose="020B0604030504040204" pitchFamily="34" charset="0"/>
@@ -8360,8 +8537,8 @@
               <a:rPr lang="en-US" sz="1000" spc="-5" dirty="0">
                 <a:solidFill>
                   <a:schemeClr val="tx1">
-                    <a:lumMod val="75000"/>
-                    <a:lumOff val="25000"/>
+                    <a:lumMod val="85000"/>
+                    <a:lumOff val="15000"/>
                   </a:schemeClr>
                 </a:solidFill>
                 <a:latin typeface="Verdana"/>
@@ -8372,8 +8549,8 @@
               <a:rPr lang="en-US" sz="1000" b="1" dirty="0">
                 <a:solidFill>
                   <a:schemeClr val="tx1">
-                    <a:lumMod val="75000"/>
-                    <a:lumOff val="25000"/>
+                    <a:lumMod val="85000"/>
+                    <a:lumOff val="15000"/>
                   </a:schemeClr>
                 </a:solidFill>
                 <a:latin typeface="Verdana" panose="020B0604030504040204" pitchFamily="34" charset="0"/>
@@ -8386,8 +8563,8 @@
               <a:rPr lang="en-US" sz="1000" dirty="0">
                 <a:solidFill>
                   <a:schemeClr val="tx1">
-                    <a:lumMod val="75000"/>
-                    <a:lumOff val="25000"/>
+                    <a:lumMod val="85000"/>
+                    <a:lumOff val="15000"/>
                   </a:schemeClr>
                 </a:solidFill>
                 <a:latin typeface="Verdana" panose="020B0604030504040204" pitchFamily="34" charset="0"/>
@@ -8400,13 +8577,13 @@
               <a:rPr lang="en-US" sz="1000" spc="-5" dirty="0">
                 <a:solidFill>
                   <a:schemeClr val="tx1">
-                    <a:lumMod val="75000"/>
-                    <a:lumOff val="25000"/>
+                    <a:lumMod val="85000"/>
+                    <a:lumOff val="15000"/>
                   </a:schemeClr>
                 </a:solidFill>
                 <a:latin typeface="Verdana"/>
               </a:rPr>
-              <a:t>Correspondence between teams was rendered needless.</a:t>
+              <a:t>Correspondence between teams rendered needless.</a:t>
             </a:r>
           </a:p>
           <a:p>
@@ -8424,8 +8601,8 @@
             <a:endParaRPr lang="en-US" sz="1000" spc="-5" dirty="0">
               <a:solidFill>
                 <a:schemeClr val="tx1">
-                  <a:lumMod val="75000"/>
-                  <a:lumOff val="25000"/>
+                  <a:lumMod val="85000"/>
+                  <a:lumOff val="15000"/>
                 </a:schemeClr>
               </a:solidFill>
               <a:latin typeface="Verdana"/>
@@ -8447,8 +8624,8 @@
               <a:rPr lang="en-US" sz="1000" spc="-5" dirty="0">
                 <a:solidFill>
                   <a:schemeClr val="tx1">
-                    <a:lumMod val="75000"/>
-                    <a:lumOff val="25000"/>
+                    <a:lumMod val="85000"/>
+                    <a:lumOff val="15000"/>
                   </a:schemeClr>
                 </a:solidFill>
                 <a:latin typeface="Verdana"/>
@@ -8458,8 +8635,8 @@
             <a:endParaRPr lang="en-US" altLang="ja-JP" sz="1000" spc="-5" dirty="0">
               <a:solidFill>
                 <a:schemeClr val="tx1">
-                  <a:lumMod val="75000"/>
-                  <a:lumOff val="25000"/>
+                  <a:lumMod val="85000"/>
+                  <a:lumOff val="15000"/>
                 </a:schemeClr>
               </a:solidFill>
               <a:latin typeface="Verdana"/>
@@ -10815,7 +10992,7 @@
         </p:nvSpPr>
         <p:spPr>
           <a:xfrm>
-            <a:off x="376561" y="1287066"/>
+            <a:off x="376561" y="1416432"/>
             <a:ext cx="2519039" cy="584775"/>
           </a:xfrm>
           <a:prstGeom prst="rect">
@@ -10855,8 +11032,8 @@
         </p:nvSpPr>
         <p:spPr>
           <a:xfrm>
-            <a:off x="358806" y="1784910"/>
-            <a:ext cx="2917794" cy="2123658"/>
+            <a:off x="358806" y="1967263"/>
+            <a:ext cx="2743199" cy="1954381"/>
           </a:xfrm>
           <a:prstGeom prst="rect">
             <a:avLst/>
@@ -10874,7 +11051,7 @@
               <a:defRPr/>
             </a:pPr>
             <a:r>
-              <a:rPr lang="en-US" sz="1200" b="1" dirty="0">
+              <a:rPr lang="en-US" sz="1100" b="1" dirty="0">
                 <a:solidFill>
                   <a:schemeClr val="tx1">
                     <a:lumMod val="50000"/>
@@ -10885,7 +11062,7 @@
               <a:t>Master Data Inaccuracies: </a:t>
             </a:r>
             <a:r>
-              <a:rPr lang="en-US" sz="1200" dirty="0">
+              <a:rPr lang="en-US" sz="1100" dirty="0">
                 <a:solidFill>
                   <a:schemeClr val="tx1">
                     <a:lumMod val="50000"/>
@@ -10903,7 +11080,7 @@
               <a:defRPr/>
             </a:pPr>
             <a:r>
-              <a:rPr lang="en-US" sz="1200" b="1" dirty="0">
+              <a:rPr lang="en-US" sz="1100" b="1" dirty="0">
                 <a:solidFill>
                   <a:schemeClr val="tx1">
                     <a:lumMod val="50000"/>
@@ -10914,7 +11091,7 @@
               <a:t>General Ledger : </a:t>
             </a:r>
             <a:r>
-              <a:rPr lang="en-US" sz="1200" dirty="0">
+              <a:rPr lang="en-US" sz="1100" dirty="0">
                 <a:solidFill>
                   <a:schemeClr val="tx1">
                     <a:lumMod val="50000"/>
@@ -10932,7 +11109,7 @@
               <a:defRPr/>
             </a:pPr>
             <a:r>
-              <a:rPr lang="en-US" sz="1200" b="1" dirty="0">
+              <a:rPr lang="en-US" sz="1100" b="1" dirty="0">
                 <a:solidFill>
                   <a:schemeClr val="tx1">
                     <a:lumMod val="50000"/>
@@ -10943,7 +11120,7 @@
               <a:t>Complex Reporting and Compliance Standards : </a:t>
             </a:r>
             <a:r>
-              <a:rPr lang="en-US" sz="1200" dirty="0">
+              <a:rPr lang="en-US" sz="1100" dirty="0">
                 <a:solidFill>
                   <a:schemeClr val="tx1">
                     <a:lumMod val="50000"/>
@@ -10970,7 +11147,7 @@
         </p:nvSpPr>
         <p:spPr>
           <a:xfrm>
-            <a:off x="376561" y="4155360"/>
+            <a:off x="376561" y="4247605"/>
             <a:ext cx="2671439" cy="584775"/>
           </a:xfrm>
           <a:prstGeom prst="rect">
@@ -11010,8 +11187,8 @@
         </p:nvSpPr>
         <p:spPr>
           <a:xfrm>
-            <a:off x="358806" y="4678149"/>
-            <a:ext cx="2917794" cy="1569660"/>
+            <a:off x="358806" y="4801866"/>
+            <a:ext cx="2766134" cy="1446550"/>
           </a:xfrm>
           <a:prstGeom prst="rect">
             <a:avLst/>
@@ -11029,7 +11206,7 @@
               <a:defRPr/>
             </a:pPr>
             <a:r>
-              <a:rPr lang="en-US" sz="1200" b="1" dirty="0">
+              <a:rPr lang="en-US" sz="1100" b="1" dirty="0">
                 <a:solidFill>
                   <a:schemeClr val="tx1">
                     <a:lumMod val="50000"/>
@@ -11040,7 +11217,7 @@
               <a:t>Automation: </a:t>
             </a:r>
             <a:r>
-              <a:rPr lang="en-US" sz="1200" dirty="0">
+              <a:rPr lang="en-US" sz="1100" dirty="0">
                 <a:solidFill>
                   <a:schemeClr val="tx1">
                     <a:lumMod val="50000"/>
@@ -11058,7 +11235,7 @@
               <a:defRPr/>
             </a:pPr>
             <a:r>
-              <a:rPr lang="en-US" sz="1200" b="1" dirty="0">
+              <a:rPr lang="en-US" sz="1100" b="1" dirty="0">
                 <a:solidFill>
                   <a:schemeClr val="tx1">
                     <a:lumMod val="50000"/>
@@ -11069,7 +11246,7 @@
               <a:t>Standardization: </a:t>
             </a:r>
             <a:r>
-              <a:rPr lang="en-US" sz="1200" dirty="0">
+              <a:rPr lang="en-US" sz="1100" dirty="0">
                 <a:solidFill>
                   <a:schemeClr val="tx1">
                     <a:lumMod val="50000"/>
@@ -11087,7 +11264,7 @@
               <a:defRPr/>
             </a:pPr>
             <a:r>
-              <a:rPr lang="en-US" sz="1200" b="1" dirty="0">
+              <a:rPr lang="en-US" sz="1100" b="1" dirty="0">
                 <a:solidFill>
                   <a:schemeClr val="tx1">
                     <a:lumMod val="50000"/>
@@ -11098,7 +11275,7 @@
               <a:t>Enforce month end closing : </a:t>
             </a:r>
             <a:r>
-              <a:rPr lang="en-US" sz="1200" dirty="0">
+              <a:rPr lang="en-US" sz="1100" dirty="0">
                 <a:solidFill>
                   <a:schemeClr val="tx1">
                     <a:lumMod val="50000"/>
@@ -11125,7 +11302,7 @@
         </p:nvSpPr>
         <p:spPr>
           <a:xfrm>
-            <a:off x="3507206" y="4953000"/>
+            <a:off x="3507206" y="5074671"/>
             <a:ext cx="7764630" cy="1384995"/>
           </a:xfrm>
           <a:prstGeom prst="rect">
@@ -11196,7 +11373,7 @@
           </p:cNvPicPr>
           <p:nvPr/>
         </p:nvPicPr>
-        <p:blipFill rotWithShape="1">
+        <p:blipFill>
           <a:blip r:embed="rId3">
             <a:clrChange>
               <a:clrFrom>
@@ -11209,13 +11386,14 @@
               </a:clrTo>
             </a:clrChange>
           </a:blip>
-          <a:srcRect t="5402"/>
-          <a:stretch/>
+          <a:stretch>
+            <a:fillRect/>
+          </a:stretch>
         </p:blipFill>
         <p:spPr>
           <a:xfrm>
-            <a:off x="3657600" y="1656398"/>
-            <a:ext cx="7900386" cy="3233607"/>
+            <a:off x="3507206" y="1471732"/>
+            <a:ext cx="7900386" cy="3418273"/>
           </a:xfrm>
           <a:prstGeom prst="rect">
             <a:avLst/>
@@ -11236,7 +11414,7 @@
         </p:nvSpPr>
         <p:spPr>
           <a:xfrm>
-            <a:off x="3539231" y="1287066"/>
+            <a:off x="3377952" y="1287066"/>
             <a:ext cx="3480889" cy="369332"/>
           </a:xfrm>
           <a:prstGeom prst="rect">
@@ -11268,6 +11446,3279 @@
     <p:extLst>
       <p:ext uri="{BB962C8B-B14F-4D97-AF65-F5344CB8AC3E}">
         <p14:creationId xmlns:p14="http://schemas.microsoft.com/office/powerpoint/2010/main" val="984149688"/>
+      </p:ext>
+    </p:extLst>
+  </p:cSld>
+  <p:clrMapOvr>
+    <a:masterClrMapping/>
+  </p:clrMapOvr>
+</p:sld>
+</file>
+
+<file path=ppt/slides/slide4.xml><?xml version="1.0" encoding="utf-8"?>
+<p:sld xmlns:a="http://schemas.openxmlformats.org/drawingml/2006/main" xmlns:r="http://schemas.openxmlformats.org/officeDocument/2006/relationships" xmlns:p="http://schemas.openxmlformats.org/presentationml/2006/main">
+  <p:cSld>
+    <p:spTree>
+      <p:nvGrpSpPr>
+        <p:cNvPr id="1" name=""/>
+        <p:cNvGrpSpPr/>
+        <p:nvPr/>
+      </p:nvGrpSpPr>
+      <p:grpSpPr>
+        <a:xfrm>
+          <a:off x="0" y="0"/>
+          <a:ext cx="0" cy="0"/>
+          <a:chOff x="0" y="0"/>
+          <a:chExt cx="0" cy="0"/>
+        </a:xfrm>
+      </p:grpSpPr>
+      <p:sp>
+        <p:nvSpPr>
+          <p:cNvPr id="16" name="object 16"/>
+          <p:cNvSpPr txBox="1">
+            <a:spLocks noGrp="1"/>
+          </p:cNvSpPr>
+          <p:nvPr>
+            <p:ph type="title"/>
+          </p:nvPr>
+        </p:nvSpPr>
+        <p:spPr>
+          <a:xfrm>
+            <a:off x="457301" y="390270"/>
+            <a:ext cx="6099810" cy="329565"/>
+          </a:xfrm>
+          <a:prstGeom prst="rect">
+            <a:avLst/>
+          </a:prstGeom>
+        </p:spPr>
+        <p:txBody>
+          <a:bodyPr vert="horz" wrap="square" lIns="0" tIns="11430" rIns="0" bIns="0" rtlCol="0">
+            <a:spAutoFit/>
+          </a:bodyPr>
+          <a:lstStyle/>
+          <a:p>
+            <a:pPr marL="12700">
+              <a:lnSpc>
+                <a:spcPct val="100000"/>
+              </a:lnSpc>
+              <a:spcBef>
+                <a:spcPts val="90"/>
+              </a:spcBef>
+            </a:pPr>
+            <a:r>
+              <a:rPr lang="en-US" dirty="0"/>
+              <a:t>Cost</a:t>
+            </a:r>
+            <a:endParaRPr spc="-5" dirty="0"/>
+          </a:p>
+        </p:txBody>
+      </p:sp>
+      <p:sp>
+        <p:nvSpPr>
+          <p:cNvPr id="17" name="object 17"/>
+          <p:cNvSpPr txBox="1"/>
+          <p:nvPr/>
+        </p:nvSpPr>
+        <p:spPr>
+          <a:xfrm>
+            <a:off x="457301" y="720928"/>
+            <a:ext cx="10946765" cy="1115690"/>
+          </a:xfrm>
+          <a:prstGeom prst="rect">
+            <a:avLst/>
+          </a:prstGeom>
+        </p:spPr>
+        <p:txBody>
+          <a:bodyPr vert="horz" wrap="square" lIns="0" tIns="12700" rIns="0" bIns="0" rtlCol="0">
+            <a:spAutoFit/>
+          </a:bodyPr>
+          <a:lstStyle/>
+          <a:p>
+            <a:pPr marL="12700">
+              <a:spcBef>
+                <a:spcPts val="100"/>
+              </a:spcBef>
+            </a:pPr>
+            <a:r>
+              <a:rPr lang="en-US" sz="1400" spc="-5" dirty="0">
+                <a:solidFill>
+                  <a:srgbClr val="7E7E7E"/>
+                </a:solidFill>
+                <a:latin typeface="Verdana"/>
+                <a:cs typeface="Verdana"/>
+              </a:rPr>
+              <a:t>Cost analysis of a firm starts with a problem statement and it is worked upon in an outward-in approach wherein the financial statements are viewed to identify the source of cost. To identify the source of high cost, individual components of above SG&amp;A, COGS and revenue are reviewed and compared with the industry benchmark. </a:t>
+            </a:r>
+          </a:p>
+          <a:p>
+            <a:pPr marL="12700">
+              <a:spcBef>
+                <a:spcPts val="100"/>
+              </a:spcBef>
+            </a:pPr>
+            <a:endParaRPr lang="en-US" sz="1400" spc="-5" dirty="0">
+              <a:solidFill>
+                <a:srgbClr val="7E7E7E"/>
+              </a:solidFill>
+              <a:latin typeface="Verdana"/>
+              <a:cs typeface="Verdana"/>
+            </a:endParaRPr>
+          </a:p>
+          <a:p>
+            <a:pPr marL="12700">
+              <a:spcBef>
+                <a:spcPts val="100"/>
+              </a:spcBef>
+            </a:pPr>
+            <a:r>
+              <a:rPr lang="en-US" sz="1400" spc="-5" dirty="0">
+                <a:solidFill>
+                  <a:srgbClr val="7E7E7E"/>
+                </a:solidFill>
+                <a:latin typeface="Verdana"/>
+                <a:cs typeface="Verdana"/>
+              </a:rPr>
+              <a:t>To depict the categories of </a:t>
+            </a:r>
+            <a:r>
+              <a:rPr lang="en-US" sz="1400" spc="-5">
+                <a:solidFill>
+                  <a:srgbClr val="7E7E7E"/>
+                </a:solidFill>
+                <a:latin typeface="Verdana"/>
+                <a:cs typeface="Verdana"/>
+              </a:rPr>
+              <a:t>costs applying to a firm, </a:t>
+            </a:r>
+            <a:r>
+              <a:rPr lang="en-US" sz="1400" spc="-5" dirty="0">
+                <a:solidFill>
+                  <a:srgbClr val="7E7E7E"/>
+                </a:solidFill>
+                <a:latin typeface="Verdana"/>
+                <a:cs typeface="Verdana"/>
+              </a:rPr>
+              <a:t>I have added the below levers utilized in Cost transformation.</a:t>
+            </a:r>
+            <a:endParaRPr lang="en-US" sz="1400" dirty="0">
+              <a:latin typeface="Verdana"/>
+              <a:cs typeface="Verdana"/>
+            </a:endParaRPr>
+          </a:p>
+        </p:txBody>
+      </p:sp>
+      <p:sp>
+        <p:nvSpPr>
+          <p:cNvPr id="115" name="object 54">
+            <a:extLst>
+              <a:ext uri="{FF2B5EF4-FFF2-40B4-BE49-F238E27FC236}">
+                <a16:creationId xmlns:a16="http://schemas.microsoft.com/office/drawing/2014/main" id="{BA08F267-061C-46AB-9E9D-2BD1434875F1}"/>
+              </a:ext>
+            </a:extLst>
+          </p:cNvPr>
+          <p:cNvSpPr/>
+          <p:nvPr/>
+        </p:nvSpPr>
+        <p:spPr>
+          <a:xfrm>
+            <a:off x="12203089" y="1066800"/>
+            <a:ext cx="2723515" cy="0"/>
+          </a:xfrm>
+          <a:custGeom>
+            <a:avLst/>
+            <a:gdLst/>
+            <a:ahLst/>
+            <a:cxnLst/>
+            <a:rect l="l" t="t" r="r" b="b"/>
+            <a:pathLst>
+              <a:path w="2723515">
+                <a:moveTo>
+                  <a:pt x="0" y="0"/>
+                </a:moveTo>
+                <a:lnTo>
+                  <a:pt x="2723388" y="0"/>
+                </a:lnTo>
+              </a:path>
+            </a:pathLst>
+          </a:custGeom>
+          <a:ln w="12192">
+            <a:solidFill>
+              <a:srgbClr val="85BB24"/>
+            </a:solidFill>
+          </a:ln>
+        </p:spPr>
+        <p:txBody>
+          <a:bodyPr wrap="square" lIns="0" tIns="0" rIns="0" bIns="0" rtlCol="0"/>
+          <a:lstStyle/>
+          <a:p>
+            <a:endParaRPr/>
+          </a:p>
+        </p:txBody>
+      </p:sp>
+      <p:sp>
+        <p:nvSpPr>
+          <p:cNvPr id="117" name="object 56">
+            <a:extLst>
+              <a:ext uri="{FF2B5EF4-FFF2-40B4-BE49-F238E27FC236}">
+                <a16:creationId xmlns:a16="http://schemas.microsoft.com/office/drawing/2014/main" id="{29ED370A-1208-4378-84E3-0C808AEB4197}"/>
+              </a:ext>
+            </a:extLst>
+          </p:cNvPr>
+          <p:cNvSpPr txBox="1">
+            <a:spLocks noGrp="1"/>
+          </p:cNvSpPr>
+          <p:nvPr>
+            <p:ph type="sldNum" sz="quarter" idx="7"/>
+          </p:nvPr>
+        </p:nvSpPr>
+        <p:spPr>
+          <a:xfrm>
+            <a:off x="15410350" y="5948747"/>
+            <a:ext cx="180340" cy="125729"/>
+          </a:xfrm>
+          <a:prstGeom prst="rect">
+            <a:avLst/>
+          </a:prstGeom>
+        </p:spPr>
+        <p:txBody>
+          <a:bodyPr vert="horz" wrap="square" lIns="0" tIns="12700" rIns="0" bIns="0" rtlCol="0">
+            <a:spAutoFit/>
+          </a:bodyPr>
+          <a:lstStyle/>
+          <a:p>
+            <a:pPr marL="38100">
+              <a:lnSpc>
+                <a:spcPct val="100000"/>
+              </a:lnSpc>
+              <a:spcBef>
+                <a:spcPts val="100"/>
+              </a:spcBef>
+            </a:pPr>
+            <a:fld id="{81D60167-4931-47E6-BA6A-407CBD079E47}" type="slidenum">
+              <a:rPr spc="-5" dirty="0"/>
+              <a:t>4</a:t>
+            </a:fld>
+            <a:endParaRPr spc="-5" dirty="0"/>
+          </a:p>
+        </p:txBody>
+      </p:sp>
+      <p:sp>
+        <p:nvSpPr>
+          <p:cNvPr id="121" name="object 9">
+            <a:extLst>
+              <a:ext uri="{FF2B5EF4-FFF2-40B4-BE49-F238E27FC236}">
+                <a16:creationId xmlns:a16="http://schemas.microsoft.com/office/drawing/2014/main" id="{07398140-5114-448E-BBCF-4E12429CEFB8}"/>
+              </a:ext>
+            </a:extLst>
+          </p:cNvPr>
+          <p:cNvSpPr txBox="1"/>
+          <p:nvPr/>
+        </p:nvSpPr>
+        <p:spPr>
+          <a:xfrm>
+            <a:off x="4779162" y="3168946"/>
+            <a:ext cx="1709757" cy="350737"/>
+          </a:xfrm>
+          <a:prstGeom prst="rect">
+            <a:avLst/>
+          </a:prstGeom>
+        </p:spPr>
+        <p:txBody>
+          <a:bodyPr vert="horz" wrap="square" lIns="0" tIns="12065" rIns="0" bIns="0" rtlCol="0">
+            <a:spAutoFit/>
+          </a:bodyPr>
+          <a:lstStyle/>
+          <a:p>
+            <a:pPr marL="12700" algn="ctr">
+              <a:lnSpc>
+                <a:spcPct val="100000"/>
+              </a:lnSpc>
+              <a:spcBef>
+                <a:spcPts val="95"/>
+              </a:spcBef>
+            </a:pPr>
+            <a:r>
+              <a:rPr lang="en-US" sz="1100" b="1" spc="-5" dirty="0">
+                <a:solidFill>
+                  <a:srgbClr val="002069"/>
+                </a:solidFill>
+                <a:latin typeface="Verdana"/>
+                <a:cs typeface="Verdana"/>
+              </a:rPr>
+              <a:t>Service Delivery Model</a:t>
+            </a:r>
+            <a:endParaRPr lang="en-US" sz="1100" dirty="0">
+              <a:latin typeface="Verdana"/>
+              <a:cs typeface="Verdana"/>
+            </a:endParaRPr>
+          </a:p>
+        </p:txBody>
+      </p:sp>
+      <p:sp>
+        <p:nvSpPr>
+          <p:cNvPr id="122" name="object 10">
+            <a:extLst>
+              <a:ext uri="{FF2B5EF4-FFF2-40B4-BE49-F238E27FC236}">
+                <a16:creationId xmlns:a16="http://schemas.microsoft.com/office/drawing/2014/main" id="{8B7B52EA-CA01-4B35-A986-A8912D7836F3}"/>
+              </a:ext>
+            </a:extLst>
+          </p:cNvPr>
+          <p:cNvSpPr txBox="1"/>
+          <p:nvPr/>
+        </p:nvSpPr>
+        <p:spPr>
+          <a:xfrm>
+            <a:off x="1923496" y="3068669"/>
+            <a:ext cx="1369236" cy="350737"/>
+          </a:xfrm>
+          <a:prstGeom prst="rect">
+            <a:avLst/>
+          </a:prstGeom>
+        </p:spPr>
+        <p:txBody>
+          <a:bodyPr vert="horz" wrap="square" lIns="0" tIns="12065" rIns="0" bIns="0" rtlCol="0">
+            <a:spAutoFit/>
+          </a:bodyPr>
+          <a:lstStyle/>
+          <a:p>
+            <a:pPr marL="12700" algn="ctr">
+              <a:lnSpc>
+                <a:spcPct val="100000"/>
+              </a:lnSpc>
+              <a:spcBef>
+                <a:spcPts val="95"/>
+              </a:spcBef>
+            </a:pPr>
+            <a:r>
+              <a:rPr lang="en-US" sz="1100" b="1" spc="-5" dirty="0">
+                <a:solidFill>
+                  <a:schemeClr val="accent6">
+                    <a:lumMod val="50000"/>
+                  </a:schemeClr>
+                </a:solidFill>
+                <a:latin typeface="Verdana"/>
+              </a:rPr>
+              <a:t>Business Process Management</a:t>
+            </a:r>
+          </a:p>
+        </p:txBody>
+      </p:sp>
+      <p:sp>
+        <p:nvSpPr>
+          <p:cNvPr id="123" name="object 11">
+            <a:extLst>
+              <a:ext uri="{FF2B5EF4-FFF2-40B4-BE49-F238E27FC236}">
+                <a16:creationId xmlns:a16="http://schemas.microsoft.com/office/drawing/2014/main" id="{7551DC11-5C09-443B-A2E6-165012986B30}"/>
+              </a:ext>
+            </a:extLst>
+          </p:cNvPr>
+          <p:cNvSpPr txBox="1"/>
+          <p:nvPr/>
+        </p:nvSpPr>
+        <p:spPr>
+          <a:xfrm>
+            <a:off x="1999538" y="5174133"/>
+            <a:ext cx="1088975" cy="350737"/>
+          </a:xfrm>
+          <a:prstGeom prst="rect">
+            <a:avLst/>
+          </a:prstGeom>
+        </p:spPr>
+        <p:txBody>
+          <a:bodyPr vert="horz" wrap="square" lIns="0" tIns="12065" rIns="0" bIns="0" rtlCol="0">
+            <a:spAutoFit/>
+          </a:bodyPr>
+          <a:lstStyle/>
+          <a:p>
+            <a:pPr marL="12700" algn="ctr">
+              <a:lnSpc>
+                <a:spcPct val="100000"/>
+              </a:lnSpc>
+              <a:spcBef>
+                <a:spcPts val="95"/>
+              </a:spcBef>
+            </a:pPr>
+            <a:r>
+              <a:rPr lang="en-US" sz="1100" b="1" spc="-5" dirty="0">
+                <a:solidFill>
+                  <a:schemeClr val="accent4">
+                    <a:lumMod val="50000"/>
+                  </a:schemeClr>
+                </a:solidFill>
+                <a:latin typeface="Verdana"/>
+                <a:cs typeface="Verdana"/>
+              </a:rPr>
+              <a:t>Organization Design</a:t>
+            </a:r>
+            <a:endParaRPr sz="1100" dirty="0">
+              <a:solidFill>
+                <a:schemeClr val="accent4">
+                  <a:lumMod val="50000"/>
+                </a:schemeClr>
+              </a:solidFill>
+              <a:latin typeface="Verdana"/>
+              <a:cs typeface="Verdana"/>
+            </a:endParaRPr>
+          </a:p>
+        </p:txBody>
+      </p:sp>
+      <p:sp>
+        <p:nvSpPr>
+          <p:cNvPr id="124" name="object 13">
+            <a:extLst>
+              <a:ext uri="{FF2B5EF4-FFF2-40B4-BE49-F238E27FC236}">
+                <a16:creationId xmlns:a16="http://schemas.microsoft.com/office/drawing/2014/main" id="{3900CDE6-058B-4AEF-A512-93613239B356}"/>
+              </a:ext>
+            </a:extLst>
+          </p:cNvPr>
+          <p:cNvSpPr/>
+          <p:nvPr/>
+        </p:nvSpPr>
+        <p:spPr>
+          <a:xfrm>
+            <a:off x="2228580" y="2341807"/>
+            <a:ext cx="640080" cy="640080"/>
+          </a:xfrm>
+          <a:custGeom>
+            <a:avLst/>
+            <a:gdLst/>
+            <a:ahLst/>
+            <a:cxnLst/>
+            <a:rect l="l" t="t" r="r" b="b"/>
+            <a:pathLst>
+              <a:path w="731520" h="731519">
+                <a:moveTo>
+                  <a:pt x="365760" y="0"/>
+                </a:moveTo>
+                <a:lnTo>
+                  <a:pt x="319694" y="2836"/>
+                </a:lnTo>
+                <a:lnTo>
+                  <a:pt x="275388" y="11121"/>
+                </a:lnTo>
+                <a:lnTo>
+                  <a:pt x="233178" y="24519"/>
+                </a:lnTo>
+                <a:lnTo>
+                  <a:pt x="193397" y="42694"/>
+                </a:lnTo>
+                <a:lnTo>
+                  <a:pt x="156381" y="65309"/>
+                </a:lnTo>
+                <a:lnTo>
+                  <a:pt x="122465" y="92028"/>
+                </a:lnTo>
+                <a:lnTo>
+                  <a:pt x="91985" y="122516"/>
+                </a:lnTo>
+                <a:lnTo>
+                  <a:pt x="65274" y="156437"/>
+                </a:lnTo>
+                <a:lnTo>
+                  <a:pt x="42669" y="193453"/>
+                </a:lnTo>
+                <a:lnTo>
+                  <a:pt x="24504" y="233230"/>
+                </a:lnTo>
+                <a:lnTo>
+                  <a:pt x="11114" y="275430"/>
+                </a:lnTo>
+                <a:lnTo>
+                  <a:pt x="2834" y="319719"/>
+                </a:lnTo>
+                <a:lnTo>
+                  <a:pt x="0" y="365760"/>
+                </a:lnTo>
+                <a:lnTo>
+                  <a:pt x="2834" y="411525"/>
+                </a:lnTo>
+                <a:lnTo>
+                  <a:pt x="11114" y="455627"/>
+                </a:lnTo>
+                <a:lnTo>
+                  <a:pt x="24504" y="497717"/>
+                </a:lnTo>
+                <a:lnTo>
+                  <a:pt x="42669" y="537448"/>
+                </a:lnTo>
+                <a:lnTo>
+                  <a:pt x="65274" y="574472"/>
+                </a:lnTo>
+                <a:lnTo>
+                  <a:pt x="91985" y="608442"/>
+                </a:lnTo>
+                <a:lnTo>
+                  <a:pt x="122465" y="639010"/>
+                </a:lnTo>
+                <a:lnTo>
+                  <a:pt x="156381" y="665829"/>
+                </a:lnTo>
+                <a:lnTo>
+                  <a:pt x="193397" y="688551"/>
+                </a:lnTo>
+                <a:lnTo>
+                  <a:pt x="233178" y="706828"/>
+                </a:lnTo>
+                <a:lnTo>
+                  <a:pt x="275388" y="720314"/>
+                </a:lnTo>
+                <a:lnTo>
+                  <a:pt x="319694" y="728660"/>
+                </a:lnTo>
+                <a:lnTo>
+                  <a:pt x="365760" y="731520"/>
+                </a:lnTo>
+                <a:lnTo>
+                  <a:pt x="411525" y="728660"/>
+                </a:lnTo>
+                <a:lnTo>
+                  <a:pt x="455627" y="720314"/>
+                </a:lnTo>
+                <a:lnTo>
+                  <a:pt x="497717" y="706828"/>
+                </a:lnTo>
+                <a:lnTo>
+                  <a:pt x="537448" y="688551"/>
+                </a:lnTo>
+                <a:lnTo>
+                  <a:pt x="574472" y="665829"/>
+                </a:lnTo>
+                <a:lnTo>
+                  <a:pt x="608442" y="639010"/>
+                </a:lnTo>
+                <a:lnTo>
+                  <a:pt x="639010" y="608442"/>
+                </a:lnTo>
+                <a:lnTo>
+                  <a:pt x="665829" y="574472"/>
+                </a:lnTo>
+                <a:lnTo>
+                  <a:pt x="672875" y="562990"/>
+                </a:lnTo>
+                <a:lnTo>
+                  <a:pt x="174243" y="562990"/>
+                </a:lnTo>
+                <a:lnTo>
+                  <a:pt x="167131" y="557149"/>
+                </a:lnTo>
+                <a:lnTo>
+                  <a:pt x="167131" y="540003"/>
+                </a:lnTo>
+                <a:lnTo>
+                  <a:pt x="174243" y="532891"/>
+                </a:lnTo>
+                <a:lnTo>
+                  <a:pt x="182879" y="532891"/>
+                </a:lnTo>
+                <a:lnTo>
+                  <a:pt x="182879" y="174243"/>
+                </a:lnTo>
+                <a:lnTo>
+                  <a:pt x="188595" y="167131"/>
+                </a:lnTo>
+                <a:lnTo>
+                  <a:pt x="672393" y="167131"/>
+                </a:lnTo>
+                <a:lnTo>
+                  <a:pt x="665829" y="156437"/>
+                </a:lnTo>
+                <a:lnTo>
+                  <a:pt x="639010" y="122516"/>
+                </a:lnTo>
+                <a:lnTo>
+                  <a:pt x="608442" y="92028"/>
+                </a:lnTo>
+                <a:lnTo>
+                  <a:pt x="574472" y="65309"/>
+                </a:lnTo>
+                <a:lnTo>
+                  <a:pt x="537448" y="42694"/>
+                </a:lnTo>
+                <a:lnTo>
+                  <a:pt x="497717" y="24519"/>
+                </a:lnTo>
+                <a:lnTo>
+                  <a:pt x="455627" y="11121"/>
+                </a:lnTo>
+                <a:lnTo>
+                  <a:pt x="411525" y="2836"/>
+                </a:lnTo>
+                <a:lnTo>
+                  <a:pt x="365760" y="0"/>
+                </a:lnTo>
+                <a:close/>
+              </a:path>
+              <a:path w="731520" h="731519">
+                <a:moveTo>
+                  <a:pt x="672393" y="167131"/>
+                </a:moveTo>
+                <a:lnTo>
+                  <a:pt x="541527" y="167131"/>
+                </a:lnTo>
+                <a:lnTo>
+                  <a:pt x="548639" y="174243"/>
+                </a:lnTo>
+                <a:lnTo>
+                  <a:pt x="548639" y="532891"/>
+                </a:lnTo>
+                <a:lnTo>
+                  <a:pt x="557149" y="532891"/>
+                </a:lnTo>
+                <a:lnTo>
+                  <a:pt x="562863" y="540003"/>
+                </a:lnTo>
+                <a:lnTo>
+                  <a:pt x="562863" y="557149"/>
+                </a:lnTo>
+                <a:lnTo>
+                  <a:pt x="557149" y="562990"/>
+                </a:lnTo>
+                <a:lnTo>
+                  <a:pt x="672875" y="562990"/>
+                </a:lnTo>
+                <a:lnTo>
+                  <a:pt x="706828" y="497717"/>
+                </a:lnTo>
+                <a:lnTo>
+                  <a:pt x="720314" y="455627"/>
+                </a:lnTo>
+                <a:lnTo>
+                  <a:pt x="728660" y="411525"/>
+                </a:lnTo>
+                <a:lnTo>
+                  <a:pt x="731520" y="365760"/>
+                </a:lnTo>
+                <a:lnTo>
+                  <a:pt x="728660" y="319719"/>
+                </a:lnTo>
+                <a:lnTo>
+                  <a:pt x="720314" y="275430"/>
+                </a:lnTo>
+                <a:lnTo>
+                  <a:pt x="706828" y="233230"/>
+                </a:lnTo>
+                <a:lnTo>
+                  <a:pt x="688551" y="193453"/>
+                </a:lnTo>
+                <a:lnTo>
+                  <a:pt x="672393" y="167131"/>
+                </a:lnTo>
+                <a:close/>
+              </a:path>
+              <a:path w="731520" h="731519">
+                <a:moveTo>
+                  <a:pt x="524383" y="167131"/>
+                </a:moveTo>
+                <a:lnTo>
+                  <a:pt x="205739" y="167131"/>
+                </a:lnTo>
+                <a:lnTo>
+                  <a:pt x="212851" y="174243"/>
+                </a:lnTo>
+                <a:lnTo>
+                  <a:pt x="212851" y="532891"/>
+                </a:lnTo>
+                <a:lnTo>
+                  <a:pt x="517143" y="532891"/>
+                </a:lnTo>
+                <a:lnTo>
+                  <a:pt x="517143" y="502920"/>
+                </a:lnTo>
+                <a:lnTo>
+                  <a:pt x="274320" y="502920"/>
+                </a:lnTo>
+                <a:lnTo>
+                  <a:pt x="262165" y="500409"/>
+                </a:lnTo>
+                <a:lnTo>
+                  <a:pt x="252142" y="493601"/>
+                </a:lnTo>
+                <a:lnTo>
+                  <a:pt x="245334" y="483578"/>
+                </a:lnTo>
+                <a:lnTo>
+                  <a:pt x="242824" y="471424"/>
+                </a:lnTo>
+                <a:lnTo>
+                  <a:pt x="245334" y="460150"/>
+                </a:lnTo>
+                <a:lnTo>
+                  <a:pt x="252142" y="450580"/>
+                </a:lnTo>
+                <a:lnTo>
+                  <a:pt x="262165" y="443938"/>
+                </a:lnTo>
+                <a:lnTo>
+                  <a:pt x="274320" y="441451"/>
+                </a:lnTo>
+                <a:lnTo>
+                  <a:pt x="517143" y="441451"/>
+                </a:lnTo>
+                <a:lnTo>
+                  <a:pt x="517143" y="395731"/>
+                </a:lnTo>
+                <a:lnTo>
+                  <a:pt x="274320" y="395731"/>
+                </a:lnTo>
+                <a:lnTo>
+                  <a:pt x="262165" y="393263"/>
+                </a:lnTo>
+                <a:lnTo>
+                  <a:pt x="252142" y="386651"/>
+                </a:lnTo>
+                <a:lnTo>
+                  <a:pt x="245334" y="377086"/>
+                </a:lnTo>
+                <a:lnTo>
+                  <a:pt x="242824" y="365760"/>
+                </a:lnTo>
+                <a:lnTo>
+                  <a:pt x="245334" y="353625"/>
+                </a:lnTo>
+                <a:lnTo>
+                  <a:pt x="252142" y="343646"/>
+                </a:lnTo>
+                <a:lnTo>
+                  <a:pt x="262165" y="336881"/>
+                </a:lnTo>
+                <a:lnTo>
+                  <a:pt x="274320" y="334390"/>
+                </a:lnTo>
+                <a:lnTo>
+                  <a:pt x="517143" y="334390"/>
+                </a:lnTo>
+                <a:lnTo>
+                  <a:pt x="517143" y="288543"/>
+                </a:lnTo>
+                <a:lnTo>
+                  <a:pt x="274320" y="288543"/>
+                </a:lnTo>
+                <a:lnTo>
+                  <a:pt x="262165" y="286271"/>
+                </a:lnTo>
+                <a:lnTo>
+                  <a:pt x="252142" y="279987"/>
+                </a:lnTo>
+                <a:lnTo>
+                  <a:pt x="245334" y="270488"/>
+                </a:lnTo>
+                <a:lnTo>
+                  <a:pt x="242824" y="258572"/>
+                </a:lnTo>
+                <a:lnTo>
+                  <a:pt x="245334" y="246655"/>
+                </a:lnTo>
+                <a:lnTo>
+                  <a:pt x="252142" y="237156"/>
+                </a:lnTo>
+                <a:lnTo>
+                  <a:pt x="262165" y="230872"/>
+                </a:lnTo>
+                <a:lnTo>
+                  <a:pt x="274320" y="228600"/>
+                </a:lnTo>
+                <a:lnTo>
+                  <a:pt x="517143" y="228600"/>
+                </a:lnTo>
+                <a:lnTo>
+                  <a:pt x="517143" y="174243"/>
+                </a:lnTo>
+                <a:lnTo>
+                  <a:pt x="524383" y="167131"/>
+                </a:lnTo>
+                <a:close/>
+              </a:path>
+              <a:path w="731520" h="731519">
+                <a:moveTo>
+                  <a:pt x="338581" y="487172"/>
+                </a:moveTo>
+                <a:lnTo>
+                  <a:pt x="299974" y="487172"/>
+                </a:lnTo>
+                <a:lnTo>
+                  <a:pt x="295161" y="493275"/>
+                </a:lnTo>
+                <a:lnTo>
+                  <a:pt x="289290" y="498284"/>
+                </a:lnTo>
+                <a:lnTo>
+                  <a:pt x="282346" y="501673"/>
+                </a:lnTo>
+                <a:lnTo>
+                  <a:pt x="274320" y="502920"/>
+                </a:lnTo>
+                <a:lnTo>
+                  <a:pt x="365760" y="502920"/>
+                </a:lnTo>
+                <a:lnTo>
+                  <a:pt x="357495" y="501673"/>
+                </a:lnTo>
+                <a:lnTo>
+                  <a:pt x="350027" y="498284"/>
+                </a:lnTo>
+                <a:lnTo>
+                  <a:pt x="343632" y="493275"/>
+                </a:lnTo>
+                <a:lnTo>
+                  <a:pt x="338581" y="487172"/>
+                </a:lnTo>
+                <a:close/>
+              </a:path>
+              <a:path w="731520" h="731519">
+                <a:moveTo>
+                  <a:pt x="430022" y="487172"/>
+                </a:moveTo>
+                <a:lnTo>
+                  <a:pt x="391413" y="487172"/>
+                </a:lnTo>
+                <a:lnTo>
+                  <a:pt x="386601" y="493275"/>
+                </a:lnTo>
+                <a:lnTo>
+                  <a:pt x="380730" y="498284"/>
+                </a:lnTo>
+                <a:lnTo>
+                  <a:pt x="373786" y="501673"/>
+                </a:lnTo>
+                <a:lnTo>
+                  <a:pt x="365760" y="502920"/>
+                </a:lnTo>
+                <a:lnTo>
+                  <a:pt x="457200" y="502920"/>
+                </a:lnTo>
+                <a:lnTo>
+                  <a:pt x="448935" y="501673"/>
+                </a:lnTo>
+                <a:lnTo>
+                  <a:pt x="441467" y="498284"/>
+                </a:lnTo>
+                <a:lnTo>
+                  <a:pt x="435072" y="493275"/>
+                </a:lnTo>
+                <a:lnTo>
+                  <a:pt x="430022" y="487172"/>
+                </a:lnTo>
+                <a:close/>
+              </a:path>
+              <a:path w="731520" h="731519">
+                <a:moveTo>
+                  <a:pt x="517143" y="441451"/>
+                </a:moveTo>
+                <a:lnTo>
+                  <a:pt x="457200" y="441451"/>
+                </a:lnTo>
+                <a:lnTo>
+                  <a:pt x="468526" y="443938"/>
+                </a:lnTo>
+                <a:lnTo>
+                  <a:pt x="478091" y="450580"/>
+                </a:lnTo>
+                <a:lnTo>
+                  <a:pt x="484703" y="460150"/>
+                </a:lnTo>
+                <a:lnTo>
+                  <a:pt x="487172" y="471424"/>
+                </a:lnTo>
+                <a:lnTo>
+                  <a:pt x="484703" y="483578"/>
+                </a:lnTo>
+                <a:lnTo>
+                  <a:pt x="478091" y="493601"/>
+                </a:lnTo>
+                <a:lnTo>
+                  <a:pt x="468526" y="500409"/>
+                </a:lnTo>
+                <a:lnTo>
+                  <a:pt x="457200" y="502920"/>
+                </a:lnTo>
+                <a:lnTo>
+                  <a:pt x="517143" y="502920"/>
+                </a:lnTo>
+                <a:lnTo>
+                  <a:pt x="517143" y="441451"/>
+                </a:lnTo>
+                <a:close/>
+              </a:path>
+              <a:path w="731520" h="731519">
+                <a:moveTo>
+                  <a:pt x="365760" y="441451"/>
+                </a:moveTo>
+                <a:lnTo>
+                  <a:pt x="274320" y="441451"/>
+                </a:lnTo>
+                <a:lnTo>
+                  <a:pt x="282346" y="442501"/>
+                </a:lnTo>
+                <a:lnTo>
+                  <a:pt x="289290" y="445563"/>
+                </a:lnTo>
+                <a:lnTo>
+                  <a:pt x="295161" y="450506"/>
+                </a:lnTo>
+                <a:lnTo>
+                  <a:pt x="299974" y="457200"/>
+                </a:lnTo>
+                <a:lnTo>
+                  <a:pt x="338581" y="457200"/>
+                </a:lnTo>
+                <a:lnTo>
+                  <a:pt x="343632" y="450506"/>
+                </a:lnTo>
+                <a:lnTo>
+                  <a:pt x="350027" y="445563"/>
+                </a:lnTo>
+                <a:lnTo>
+                  <a:pt x="357495" y="442501"/>
+                </a:lnTo>
+                <a:lnTo>
+                  <a:pt x="365760" y="441451"/>
+                </a:lnTo>
+                <a:close/>
+              </a:path>
+              <a:path w="731520" h="731519">
+                <a:moveTo>
+                  <a:pt x="457200" y="441451"/>
+                </a:moveTo>
+                <a:lnTo>
+                  <a:pt x="365760" y="441451"/>
+                </a:lnTo>
+                <a:lnTo>
+                  <a:pt x="373786" y="442501"/>
+                </a:lnTo>
+                <a:lnTo>
+                  <a:pt x="380730" y="445563"/>
+                </a:lnTo>
+                <a:lnTo>
+                  <a:pt x="386601" y="450506"/>
+                </a:lnTo>
+                <a:lnTo>
+                  <a:pt x="391413" y="457200"/>
+                </a:lnTo>
+                <a:lnTo>
+                  <a:pt x="430022" y="457200"/>
+                </a:lnTo>
+                <a:lnTo>
+                  <a:pt x="435072" y="450506"/>
+                </a:lnTo>
+                <a:lnTo>
+                  <a:pt x="441467" y="445563"/>
+                </a:lnTo>
+                <a:lnTo>
+                  <a:pt x="448935" y="442501"/>
+                </a:lnTo>
+                <a:lnTo>
+                  <a:pt x="457200" y="441451"/>
+                </a:lnTo>
+                <a:close/>
+              </a:path>
+              <a:path w="731520" h="731519">
+                <a:moveTo>
+                  <a:pt x="370077" y="379984"/>
+                </a:moveTo>
+                <a:lnTo>
+                  <a:pt x="299974" y="379984"/>
+                </a:lnTo>
+                <a:lnTo>
+                  <a:pt x="295161" y="386677"/>
+                </a:lnTo>
+                <a:lnTo>
+                  <a:pt x="289290" y="391620"/>
+                </a:lnTo>
+                <a:lnTo>
+                  <a:pt x="282346" y="394682"/>
+                </a:lnTo>
+                <a:lnTo>
+                  <a:pt x="274320" y="395731"/>
+                </a:lnTo>
+                <a:lnTo>
+                  <a:pt x="395731" y="395731"/>
+                </a:lnTo>
+                <a:lnTo>
+                  <a:pt x="387490" y="394682"/>
+                </a:lnTo>
+                <a:lnTo>
+                  <a:pt x="380190" y="391620"/>
+                </a:lnTo>
+                <a:lnTo>
+                  <a:pt x="374231" y="386651"/>
+                </a:lnTo>
+                <a:lnTo>
+                  <a:pt x="370077" y="379984"/>
+                </a:lnTo>
+                <a:close/>
+              </a:path>
+              <a:path w="731520" h="731519">
+                <a:moveTo>
+                  <a:pt x="430022" y="379984"/>
+                </a:moveTo>
+                <a:lnTo>
+                  <a:pt x="421513" y="379984"/>
+                </a:lnTo>
+                <a:lnTo>
+                  <a:pt x="417270" y="386677"/>
+                </a:lnTo>
+                <a:lnTo>
+                  <a:pt x="411289" y="391620"/>
+                </a:lnTo>
+                <a:lnTo>
+                  <a:pt x="403975" y="394682"/>
+                </a:lnTo>
+                <a:lnTo>
+                  <a:pt x="395731" y="395731"/>
+                </a:lnTo>
+                <a:lnTo>
+                  <a:pt x="457200" y="395731"/>
+                </a:lnTo>
+                <a:lnTo>
+                  <a:pt x="448935" y="394682"/>
+                </a:lnTo>
+                <a:lnTo>
+                  <a:pt x="441467" y="391620"/>
+                </a:lnTo>
+                <a:lnTo>
+                  <a:pt x="435052" y="386651"/>
+                </a:lnTo>
+                <a:lnTo>
+                  <a:pt x="430022" y="379984"/>
+                </a:lnTo>
+                <a:close/>
+              </a:path>
+              <a:path w="731520" h="731519">
+                <a:moveTo>
+                  <a:pt x="517143" y="334390"/>
+                </a:moveTo>
+                <a:lnTo>
+                  <a:pt x="457200" y="334390"/>
+                </a:lnTo>
+                <a:lnTo>
+                  <a:pt x="468526" y="336881"/>
+                </a:lnTo>
+                <a:lnTo>
+                  <a:pt x="478091" y="343646"/>
+                </a:lnTo>
+                <a:lnTo>
+                  <a:pt x="484703" y="353625"/>
+                </a:lnTo>
+                <a:lnTo>
+                  <a:pt x="487172" y="365760"/>
+                </a:lnTo>
+                <a:lnTo>
+                  <a:pt x="484703" y="377086"/>
+                </a:lnTo>
+                <a:lnTo>
+                  <a:pt x="478091" y="386651"/>
+                </a:lnTo>
+                <a:lnTo>
+                  <a:pt x="468526" y="393263"/>
+                </a:lnTo>
+                <a:lnTo>
+                  <a:pt x="457200" y="395731"/>
+                </a:lnTo>
+                <a:lnTo>
+                  <a:pt x="517143" y="395731"/>
+                </a:lnTo>
+                <a:lnTo>
+                  <a:pt x="517143" y="334390"/>
+                </a:lnTo>
+                <a:close/>
+              </a:path>
+              <a:path w="731520" h="731519">
+                <a:moveTo>
+                  <a:pt x="395731" y="334390"/>
+                </a:moveTo>
+                <a:lnTo>
+                  <a:pt x="274320" y="334390"/>
+                </a:lnTo>
+                <a:lnTo>
+                  <a:pt x="282346" y="335635"/>
+                </a:lnTo>
+                <a:lnTo>
+                  <a:pt x="289290" y="339010"/>
+                </a:lnTo>
+                <a:lnTo>
+                  <a:pt x="295161" y="343981"/>
+                </a:lnTo>
+                <a:lnTo>
+                  <a:pt x="299974" y="350012"/>
+                </a:lnTo>
+                <a:lnTo>
+                  <a:pt x="370077" y="350012"/>
+                </a:lnTo>
+                <a:lnTo>
+                  <a:pt x="374247" y="343981"/>
+                </a:lnTo>
+                <a:lnTo>
+                  <a:pt x="380190" y="339010"/>
+                </a:lnTo>
+                <a:lnTo>
+                  <a:pt x="387490" y="335635"/>
+                </a:lnTo>
+                <a:lnTo>
+                  <a:pt x="395731" y="334390"/>
+                </a:lnTo>
+                <a:close/>
+              </a:path>
+              <a:path w="731520" h="731519">
+                <a:moveTo>
+                  <a:pt x="457200" y="334390"/>
+                </a:moveTo>
+                <a:lnTo>
+                  <a:pt x="395731" y="334390"/>
+                </a:lnTo>
+                <a:lnTo>
+                  <a:pt x="403975" y="335635"/>
+                </a:lnTo>
+                <a:lnTo>
+                  <a:pt x="411289" y="339010"/>
+                </a:lnTo>
+                <a:lnTo>
+                  <a:pt x="417270" y="343981"/>
+                </a:lnTo>
+                <a:lnTo>
+                  <a:pt x="421513" y="350012"/>
+                </a:lnTo>
+                <a:lnTo>
+                  <a:pt x="430022" y="350012"/>
+                </a:lnTo>
+                <a:lnTo>
+                  <a:pt x="435072" y="343981"/>
+                </a:lnTo>
+                <a:lnTo>
+                  <a:pt x="441467" y="339010"/>
+                </a:lnTo>
+                <a:lnTo>
+                  <a:pt x="448935" y="335635"/>
+                </a:lnTo>
+                <a:lnTo>
+                  <a:pt x="457200" y="334390"/>
+                </a:lnTo>
+                <a:close/>
+              </a:path>
+              <a:path w="731520" h="731519">
+                <a:moveTo>
+                  <a:pt x="308610" y="274320"/>
+                </a:moveTo>
+                <a:lnTo>
+                  <a:pt x="299974" y="274320"/>
+                </a:lnTo>
+                <a:lnTo>
+                  <a:pt x="295161" y="280132"/>
+                </a:lnTo>
+                <a:lnTo>
+                  <a:pt x="289290" y="284622"/>
+                </a:lnTo>
+                <a:lnTo>
+                  <a:pt x="282346" y="287518"/>
+                </a:lnTo>
+                <a:lnTo>
+                  <a:pt x="274320" y="288543"/>
+                </a:lnTo>
+                <a:lnTo>
+                  <a:pt x="334263" y="288543"/>
+                </a:lnTo>
+                <a:lnTo>
+                  <a:pt x="326237" y="287518"/>
+                </a:lnTo>
+                <a:lnTo>
+                  <a:pt x="319293" y="284622"/>
+                </a:lnTo>
+                <a:lnTo>
+                  <a:pt x="313422" y="280132"/>
+                </a:lnTo>
+                <a:lnTo>
+                  <a:pt x="308610" y="274320"/>
+                </a:lnTo>
+                <a:close/>
+              </a:path>
+              <a:path w="731520" h="731519">
+                <a:moveTo>
+                  <a:pt x="430022" y="274320"/>
+                </a:moveTo>
+                <a:lnTo>
+                  <a:pt x="361441" y="274320"/>
+                </a:lnTo>
+                <a:lnTo>
+                  <a:pt x="356391" y="280132"/>
+                </a:lnTo>
+                <a:lnTo>
+                  <a:pt x="349996" y="284622"/>
+                </a:lnTo>
+                <a:lnTo>
+                  <a:pt x="342528" y="287518"/>
+                </a:lnTo>
+                <a:lnTo>
+                  <a:pt x="334263" y="288543"/>
+                </a:lnTo>
+                <a:lnTo>
+                  <a:pt x="457200" y="288543"/>
+                </a:lnTo>
+                <a:lnTo>
+                  <a:pt x="448935" y="287518"/>
+                </a:lnTo>
+                <a:lnTo>
+                  <a:pt x="441467" y="284622"/>
+                </a:lnTo>
+                <a:lnTo>
+                  <a:pt x="435072" y="280132"/>
+                </a:lnTo>
+                <a:lnTo>
+                  <a:pt x="430022" y="274320"/>
+                </a:lnTo>
+                <a:close/>
+              </a:path>
+              <a:path w="731520" h="731519">
+                <a:moveTo>
+                  <a:pt x="517143" y="228600"/>
+                </a:moveTo>
+                <a:lnTo>
+                  <a:pt x="457200" y="228600"/>
+                </a:lnTo>
+                <a:lnTo>
+                  <a:pt x="468526" y="230872"/>
+                </a:lnTo>
+                <a:lnTo>
+                  <a:pt x="478091" y="237156"/>
+                </a:lnTo>
+                <a:lnTo>
+                  <a:pt x="484703" y="246655"/>
+                </a:lnTo>
+                <a:lnTo>
+                  <a:pt x="487172" y="258572"/>
+                </a:lnTo>
+                <a:lnTo>
+                  <a:pt x="484703" y="270488"/>
+                </a:lnTo>
+                <a:lnTo>
+                  <a:pt x="478091" y="279987"/>
+                </a:lnTo>
+                <a:lnTo>
+                  <a:pt x="468526" y="286271"/>
+                </a:lnTo>
+                <a:lnTo>
+                  <a:pt x="457200" y="288543"/>
+                </a:lnTo>
+                <a:lnTo>
+                  <a:pt x="517143" y="288543"/>
+                </a:lnTo>
+                <a:lnTo>
+                  <a:pt x="517143" y="228600"/>
+                </a:lnTo>
+                <a:close/>
+              </a:path>
+              <a:path w="731520" h="731519">
+                <a:moveTo>
+                  <a:pt x="334263" y="228600"/>
+                </a:moveTo>
+                <a:lnTo>
+                  <a:pt x="274320" y="228600"/>
+                </a:lnTo>
+                <a:lnTo>
+                  <a:pt x="282346" y="229625"/>
+                </a:lnTo>
+                <a:lnTo>
+                  <a:pt x="289290" y="232521"/>
+                </a:lnTo>
+                <a:lnTo>
+                  <a:pt x="295161" y="237011"/>
+                </a:lnTo>
+                <a:lnTo>
+                  <a:pt x="299974" y="242824"/>
+                </a:lnTo>
+                <a:lnTo>
+                  <a:pt x="308610" y="242824"/>
+                </a:lnTo>
+                <a:lnTo>
+                  <a:pt x="313422" y="237011"/>
+                </a:lnTo>
+                <a:lnTo>
+                  <a:pt x="319293" y="232521"/>
+                </a:lnTo>
+                <a:lnTo>
+                  <a:pt x="326237" y="229625"/>
+                </a:lnTo>
+                <a:lnTo>
+                  <a:pt x="334263" y="228600"/>
+                </a:lnTo>
+                <a:close/>
+              </a:path>
+              <a:path w="731520" h="731519">
+                <a:moveTo>
+                  <a:pt x="457200" y="228600"/>
+                </a:moveTo>
+                <a:lnTo>
+                  <a:pt x="334263" y="228600"/>
+                </a:lnTo>
+                <a:lnTo>
+                  <a:pt x="342528" y="229625"/>
+                </a:lnTo>
+                <a:lnTo>
+                  <a:pt x="349996" y="232521"/>
+                </a:lnTo>
+                <a:lnTo>
+                  <a:pt x="356391" y="237011"/>
+                </a:lnTo>
+                <a:lnTo>
+                  <a:pt x="361441" y="242824"/>
+                </a:lnTo>
+                <a:lnTo>
+                  <a:pt x="430022" y="242824"/>
+                </a:lnTo>
+                <a:lnTo>
+                  <a:pt x="435072" y="237011"/>
+                </a:lnTo>
+                <a:lnTo>
+                  <a:pt x="441467" y="232521"/>
+                </a:lnTo>
+                <a:lnTo>
+                  <a:pt x="448935" y="229625"/>
+                </a:lnTo>
+                <a:lnTo>
+                  <a:pt x="457200" y="228600"/>
+                </a:lnTo>
+                <a:close/>
+              </a:path>
+            </a:pathLst>
+          </a:custGeom>
+          <a:solidFill>
+            <a:schemeClr val="accent6">
+              <a:lumMod val="50000"/>
+            </a:schemeClr>
+          </a:solidFill>
+        </p:spPr>
+        <p:txBody>
+          <a:bodyPr wrap="square" lIns="0" tIns="0" rIns="0" bIns="0" rtlCol="0"/>
+          <a:lstStyle/>
+          <a:p>
+            <a:endParaRPr dirty="0"/>
+          </a:p>
+        </p:txBody>
+      </p:sp>
+      <p:sp>
+        <p:nvSpPr>
+          <p:cNvPr id="125" name="object 15">
+            <a:extLst>
+              <a:ext uri="{FF2B5EF4-FFF2-40B4-BE49-F238E27FC236}">
+                <a16:creationId xmlns:a16="http://schemas.microsoft.com/office/drawing/2014/main" id="{EB70BAC3-D629-4AE1-BADA-40D9085A6FAC}"/>
+              </a:ext>
+            </a:extLst>
+          </p:cNvPr>
+          <p:cNvSpPr/>
+          <p:nvPr/>
+        </p:nvSpPr>
+        <p:spPr>
+          <a:xfrm>
+            <a:off x="5388262" y="2435188"/>
+            <a:ext cx="640080" cy="640080"/>
+          </a:xfrm>
+          <a:custGeom>
+            <a:avLst/>
+            <a:gdLst/>
+            <a:ahLst/>
+            <a:cxnLst/>
+            <a:rect l="l" t="t" r="r" b="b"/>
+            <a:pathLst>
+              <a:path w="728979" h="731519">
+                <a:moveTo>
+                  <a:pt x="364235" y="0"/>
+                </a:moveTo>
+                <a:lnTo>
+                  <a:pt x="314623" y="3323"/>
+                </a:lnTo>
+                <a:lnTo>
+                  <a:pt x="267096" y="13008"/>
+                </a:lnTo>
+                <a:lnTo>
+                  <a:pt x="222081" y="28628"/>
+                </a:lnTo>
+                <a:lnTo>
+                  <a:pt x="180001" y="49755"/>
+                </a:lnTo>
+                <a:lnTo>
+                  <a:pt x="141281" y="75962"/>
+                </a:lnTo>
+                <a:lnTo>
+                  <a:pt x="106346" y="106822"/>
+                </a:lnTo>
+                <a:lnTo>
+                  <a:pt x="75621" y="141908"/>
+                </a:lnTo>
+                <a:lnTo>
+                  <a:pt x="49529" y="180791"/>
+                </a:lnTo>
+                <a:lnTo>
+                  <a:pt x="28497" y="223045"/>
+                </a:lnTo>
+                <a:lnTo>
+                  <a:pt x="12948" y="268243"/>
+                </a:lnTo>
+                <a:lnTo>
+                  <a:pt x="3307" y="315957"/>
+                </a:lnTo>
+                <a:lnTo>
+                  <a:pt x="0" y="365760"/>
+                </a:lnTo>
+                <a:lnTo>
+                  <a:pt x="3307" y="415269"/>
+                </a:lnTo>
+                <a:lnTo>
+                  <a:pt x="12948" y="462791"/>
+                </a:lnTo>
+                <a:lnTo>
+                  <a:pt x="28497" y="507884"/>
+                </a:lnTo>
+                <a:lnTo>
+                  <a:pt x="49529" y="550107"/>
+                </a:lnTo>
+                <a:lnTo>
+                  <a:pt x="75621" y="589017"/>
+                </a:lnTo>
+                <a:lnTo>
+                  <a:pt x="106346" y="624173"/>
+                </a:lnTo>
+                <a:lnTo>
+                  <a:pt x="141281" y="655132"/>
+                </a:lnTo>
+                <a:lnTo>
+                  <a:pt x="180001" y="681453"/>
+                </a:lnTo>
+                <a:lnTo>
+                  <a:pt x="222081" y="702694"/>
+                </a:lnTo>
+                <a:lnTo>
+                  <a:pt x="267096" y="718414"/>
+                </a:lnTo>
+                <a:lnTo>
+                  <a:pt x="314623" y="728169"/>
+                </a:lnTo>
+                <a:lnTo>
+                  <a:pt x="364235" y="731520"/>
+                </a:lnTo>
+                <a:lnTo>
+                  <a:pt x="413555" y="728169"/>
+                </a:lnTo>
+                <a:lnTo>
+                  <a:pt x="460890" y="718414"/>
+                </a:lnTo>
+                <a:lnTo>
+                  <a:pt x="505801" y="702694"/>
+                </a:lnTo>
+                <a:lnTo>
+                  <a:pt x="547849" y="681453"/>
+                </a:lnTo>
+                <a:lnTo>
+                  <a:pt x="586596" y="655132"/>
+                </a:lnTo>
+                <a:lnTo>
+                  <a:pt x="621601" y="624173"/>
+                </a:lnTo>
+                <a:lnTo>
+                  <a:pt x="647742" y="594360"/>
+                </a:lnTo>
+                <a:lnTo>
+                  <a:pt x="355726" y="594360"/>
+                </a:lnTo>
+                <a:lnTo>
+                  <a:pt x="348614" y="587248"/>
+                </a:lnTo>
+                <a:lnTo>
+                  <a:pt x="348614" y="441451"/>
+                </a:lnTo>
+                <a:lnTo>
+                  <a:pt x="239013" y="441451"/>
+                </a:lnTo>
+                <a:lnTo>
+                  <a:pt x="236220" y="440054"/>
+                </a:lnTo>
+                <a:lnTo>
+                  <a:pt x="233299" y="438658"/>
+                </a:lnTo>
+                <a:lnTo>
+                  <a:pt x="172211" y="392938"/>
+                </a:lnTo>
+                <a:lnTo>
+                  <a:pt x="169290" y="390016"/>
+                </a:lnTo>
+                <a:lnTo>
+                  <a:pt x="166497" y="385699"/>
+                </a:lnTo>
+                <a:lnTo>
+                  <a:pt x="166497" y="375792"/>
+                </a:lnTo>
+                <a:lnTo>
+                  <a:pt x="169290" y="371475"/>
+                </a:lnTo>
+                <a:lnTo>
+                  <a:pt x="172211" y="368553"/>
+                </a:lnTo>
+                <a:lnTo>
+                  <a:pt x="233299" y="322834"/>
+                </a:lnTo>
+                <a:lnTo>
+                  <a:pt x="236220" y="320039"/>
+                </a:lnTo>
+                <a:lnTo>
+                  <a:pt x="348614" y="320039"/>
+                </a:lnTo>
+                <a:lnTo>
+                  <a:pt x="348614" y="288543"/>
+                </a:lnTo>
+                <a:lnTo>
+                  <a:pt x="173608" y="288543"/>
+                </a:lnTo>
+                <a:lnTo>
+                  <a:pt x="166497" y="282828"/>
+                </a:lnTo>
+                <a:lnTo>
+                  <a:pt x="166497" y="174243"/>
+                </a:lnTo>
+                <a:lnTo>
+                  <a:pt x="173608" y="167131"/>
+                </a:lnTo>
+                <a:lnTo>
+                  <a:pt x="348614" y="167131"/>
+                </a:lnTo>
+                <a:lnTo>
+                  <a:pt x="348614" y="142875"/>
+                </a:lnTo>
+                <a:lnTo>
+                  <a:pt x="355726" y="137160"/>
+                </a:lnTo>
+                <a:lnTo>
+                  <a:pt x="648254" y="137160"/>
+                </a:lnTo>
+                <a:lnTo>
+                  <a:pt x="621601" y="106822"/>
+                </a:lnTo>
+                <a:lnTo>
+                  <a:pt x="586596" y="75962"/>
+                </a:lnTo>
+                <a:lnTo>
+                  <a:pt x="547849" y="49755"/>
+                </a:lnTo>
+                <a:lnTo>
+                  <a:pt x="505801" y="28628"/>
+                </a:lnTo>
+                <a:lnTo>
+                  <a:pt x="460890" y="13008"/>
+                </a:lnTo>
+                <a:lnTo>
+                  <a:pt x="413555" y="3323"/>
+                </a:lnTo>
+                <a:lnTo>
+                  <a:pt x="364235" y="0"/>
+                </a:lnTo>
+                <a:close/>
+              </a:path>
+              <a:path w="728979" h="731519">
+                <a:moveTo>
+                  <a:pt x="648254" y="137160"/>
+                </a:moveTo>
+                <a:lnTo>
+                  <a:pt x="372745" y="137160"/>
+                </a:lnTo>
+                <a:lnTo>
+                  <a:pt x="378459" y="142875"/>
+                </a:lnTo>
+                <a:lnTo>
+                  <a:pt x="378459" y="167131"/>
+                </a:lnTo>
+                <a:lnTo>
+                  <a:pt x="488060" y="167131"/>
+                </a:lnTo>
+                <a:lnTo>
+                  <a:pt x="492251" y="168528"/>
+                </a:lnTo>
+                <a:lnTo>
+                  <a:pt x="493649" y="170052"/>
+                </a:lnTo>
+                <a:lnTo>
+                  <a:pt x="554862" y="215773"/>
+                </a:lnTo>
+                <a:lnTo>
+                  <a:pt x="559180" y="218566"/>
+                </a:lnTo>
+                <a:lnTo>
+                  <a:pt x="560577" y="222885"/>
+                </a:lnTo>
+                <a:lnTo>
+                  <a:pt x="560577" y="232917"/>
+                </a:lnTo>
+                <a:lnTo>
+                  <a:pt x="559180" y="237109"/>
+                </a:lnTo>
+                <a:lnTo>
+                  <a:pt x="554862" y="240029"/>
+                </a:lnTo>
+                <a:lnTo>
+                  <a:pt x="493649" y="285750"/>
+                </a:lnTo>
+                <a:lnTo>
+                  <a:pt x="492251" y="288543"/>
+                </a:lnTo>
+                <a:lnTo>
+                  <a:pt x="378459" y="288543"/>
+                </a:lnTo>
+                <a:lnTo>
+                  <a:pt x="378459" y="320039"/>
+                </a:lnTo>
+                <a:lnTo>
+                  <a:pt x="554862" y="320039"/>
+                </a:lnTo>
+                <a:lnTo>
+                  <a:pt x="560577" y="325754"/>
+                </a:lnTo>
+                <a:lnTo>
+                  <a:pt x="560577" y="434339"/>
+                </a:lnTo>
+                <a:lnTo>
+                  <a:pt x="554862" y="441451"/>
+                </a:lnTo>
+                <a:lnTo>
+                  <a:pt x="378459" y="441451"/>
+                </a:lnTo>
+                <a:lnTo>
+                  <a:pt x="378459" y="587248"/>
+                </a:lnTo>
+                <a:lnTo>
+                  <a:pt x="372745" y="594360"/>
+                </a:lnTo>
+                <a:lnTo>
+                  <a:pt x="647742" y="594360"/>
+                </a:lnTo>
+                <a:lnTo>
+                  <a:pt x="678631" y="550107"/>
+                </a:lnTo>
+                <a:lnTo>
+                  <a:pt x="699777" y="507884"/>
+                </a:lnTo>
+                <a:lnTo>
+                  <a:pt x="715426" y="462791"/>
+                </a:lnTo>
+                <a:lnTo>
+                  <a:pt x="725137" y="415269"/>
+                </a:lnTo>
+                <a:lnTo>
+                  <a:pt x="728472" y="365760"/>
+                </a:lnTo>
+                <a:lnTo>
+                  <a:pt x="725137" y="315957"/>
+                </a:lnTo>
+                <a:lnTo>
+                  <a:pt x="715426" y="268243"/>
+                </a:lnTo>
+                <a:lnTo>
+                  <a:pt x="699777" y="223045"/>
+                </a:lnTo>
+                <a:lnTo>
+                  <a:pt x="678631" y="180791"/>
+                </a:lnTo>
+                <a:lnTo>
+                  <a:pt x="652426" y="141908"/>
+                </a:lnTo>
+                <a:lnTo>
+                  <a:pt x="648254" y="137160"/>
+                </a:lnTo>
+                <a:close/>
+              </a:path>
+              <a:path w="728979" h="731519">
+                <a:moveTo>
+                  <a:pt x="530732" y="350012"/>
+                </a:moveTo>
+                <a:lnTo>
+                  <a:pt x="247523" y="350012"/>
+                </a:lnTo>
+                <a:lnTo>
+                  <a:pt x="206248" y="379984"/>
+                </a:lnTo>
+                <a:lnTo>
+                  <a:pt x="247523" y="411479"/>
+                </a:lnTo>
+                <a:lnTo>
+                  <a:pt x="530732" y="411479"/>
+                </a:lnTo>
+                <a:lnTo>
+                  <a:pt x="530732" y="350012"/>
+                </a:lnTo>
+                <a:close/>
+              </a:path>
+              <a:path w="728979" h="731519">
+                <a:moveTo>
+                  <a:pt x="479425" y="197103"/>
+                </a:moveTo>
+                <a:lnTo>
+                  <a:pt x="196341" y="197103"/>
+                </a:lnTo>
+                <a:lnTo>
+                  <a:pt x="196341" y="258572"/>
+                </a:lnTo>
+                <a:lnTo>
+                  <a:pt x="479425" y="258572"/>
+                </a:lnTo>
+                <a:lnTo>
+                  <a:pt x="520700" y="228600"/>
+                </a:lnTo>
+                <a:lnTo>
+                  <a:pt x="479425" y="197103"/>
+                </a:lnTo>
+                <a:close/>
+              </a:path>
+            </a:pathLst>
+          </a:custGeom>
+          <a:solidFill>
+            <a:schemeClr val="tx2"/>
+          </a:solidFill>
+        </p:spPr>
+        <p:txBody>
+          <a:bodyPr wrap="square" lIns="0" tIns="0" rIns="0" bIns="0" rtlCol="0"/>
+          <a:lstStyle/>
+          <a:p>
+            <a:endParaRPr/>
+          </a:p>
+        </p:txBody>
+      </p:sp>
+      <p:sp>
+        <p:nvSpPr>
+          <p:cNvPr id="127" name="object 9">
+            <a:extLst>
+              <a:ext uri="{FF2B5EF4-FFF2-40B4-BE49-F238E27FC236}">
+                <a16:creationId xmlns:a16="http://schemas.microsoft.com/office/drawing/2014/main" id="{3A5F58F3-1190-46FC-BC4A-2510A3350438}"/>
+              </a:ext>
+            </a:extLst>
+          </p:cNvPr>
+          <p:cNvSpPr/>
+          <p:nvPr/>
+        </p:nvSpPr>
+        <p:spPr>
+          <a:xfrm>
+            <a:off x="2179579" y="4534053"/>
+            <a:ext cx="640080" cy="640080"/>
+          </a:xfrm>
+          <a:custGeom>
+            <a:avLst/>
+            <a:gdLst/>
+            <a:ahLst/>
+            <a:cxnLst/>
+            <a:rect l="l" t="t" r="r" b="b"/>
+            <a:pathLst>
+              <a:path w="643254" h="640080">
+                <a:moveTo>
+                  <a:pt x="321563" y="0"/>
+                </a:moveTo>
+                <a:lnTo>
+                  <a:pt x="273884" y="3452"/>
+                </a:lnTo>
+                <a:lnTo>
+                  <a:pt x="228431" y="13485"/>
+                </a:lnTo>
+                <a:lnTo>
+                  <a:pt x="185692" y="29616"/>
+                </a:lnTo>
+                <a:lnTo>
+                  <a:pt x="146154" y="51360"/>
+                </a:lnTo>
+                <a:lnTo>
+                  <a:pt x="110305" y="78232"/>
+                </a:lnTo>
+                <a:lnTo>
+                  <a:pt x="78633" y="109748"/>
+                </a:lnTo>
+                <a:lnTo>
+                  <a:pt x="51625" y="145424"/>
+                </a:lnTo>
+                <a:lnTo>
+                  <a:pt x="29771" y="184776"/>
+                </a:lnTo>
+                <a:lnTo>
+                  <a:pt x="13556" y="227318"/>
+                </a:lnTo>
+                <a:lnTo>
+                  <a:pt x="3470" y="272568"/>
+                </a:lnTo>
+                <a:lnTo>
+                  <a:pt x="0" y="320040"/>
+                </a:lnTo>
+                <a:lnTo>
+                  <a:pt x="3470" y="367225"/>
+                </a:lnTo>
+                <a:lnTo>
+                  <a:pt x="13556" y="412297"/>
+                </a:lnTo>
+                <a:lnTo>
+                  <a:pt x="29771" y="454754"/>
+                </a:lnTo>
+                <a:lnTo>
+                  <a:pt x="51625" y="494094"/>
+                </a:lnTo>
+                <a:lnTo>
+                  <a:pt x="78633" y="529816"/>
+                </a:lnTo>
+                <a:lnTo>
+                  <a:pt x="110305" y="561418"/>
+                </a:lnTo>
+                <a:lnTo>
+                  <a:pt x="146154" y="588399"/>
+                </a:lnTo>
+                <a:lnTo>
+                  <a:pt x="185692" y="610257"/>
+                </a:lnTo>
+                <a:lnTo>
+                  <a:pt x="228431" y="626491"/>
+                </a:lnTo>
+                <a:lnTo>
+                  <a:pt x="273884" y="636599"/>
+                </a:lnTo>
+                <a:lnTo>
+                  <a:pt x="321563" y="640080"/>
+                </a:lnTo>
+                <a:lnTo>
+                  <a:pt x="368985" y="636599"/>
+                </a:lnTo>
+                <a:lnTo>
+                  <a:pt x="414278" y="626491"/>
+                </a:lnTo>
+                <a:lnTo>
+                  <a:pt x="456941" y="610257"/>
+                </a:lnTo>
+                <a:lnTo>
+                  <a:pt x="496469" y="588399"/>
+                </a:lnTo>
+                <a:lnTo>
+                  <a:pt x="532359" y="561418"/>
+                </a:lnTo>
+                <a:lnTo>
+                  <a:pt x="564108" y="529816"/>
+                </a:lnTo>
+                <a:lnTo>
+                  <a:pt x="591213" y="494094"/>
+                </a:lnTo>
+                <a:lnTo>
+                  <a:pt x="606702" y="466344"/>
+                </a:lnTo>
+                <a:lnTo>
+                  <a:pt x="125602" y="466344"/>
+                </a:lnTo>
+                <a:lnTo>
+                  <a:pt x="120523" y="459994"/>
+                </a:lnTo>
+                <a:lnTo>
+                  <a:pt x="120523" y="418846"/>
+                </a:lnTo>
+                <a:lnTo>
+                  <a:pt x="125602" y="412496"/>
+                </a:lnTo>
+                <a:lnTo>
+                  <a:pt x="173354" y="412496"/>
+                </a:lnTo>
+                <a:lnTo>
+                  <a:pt x="173354" y="392557"/>
+                </a:lnTo>
+                <a:lnTo>
+                  <a:pt x="179577" y="386334"/>
+                </a:lnTo>
+                <a:lnTo>
+                  <a:pt x="129412" y="386334"/>
+                </a:lnTo>
+                <a:lnTo>
+                  <a:pt x="125602" y="385064"/>
+                </a:lnTo>
+                <a:lnTo>
+                  <a:pt x="123062" y="381254"/>
+                </a:lnTo>
+                <a:lnTo>
+                  <a:pt x="118109" y="375031"/>
+                </a:lnTo>
+                <a:lnTo>
+                  <a:pt x="119379" y="366268"/>
+                </a:lnTo>
+                <a:lnTo>
+                  <a:pt x="125602" y="362585"/>
+                </a:lnTo>
+                <a:lnTo>
+                  <a:pt x="232409" y="282575"/>
+                </a:lnTo>
+                <a:lnTo>
+                  <a:pt x="234950" y="280035"/>
+                </a:lnTo>
+                <a:lnTo>
+                  <a:pt x="342900" y="280035"/>
+                </a:lnTo>
+                <a:lnTo>
+                  <a:pt x="449706" y="172466"/>
+                </a:lnTo>
+                <a:lnTo>
+                  <a:pt x="420750" y="172466"/>
+                </a:lnTo>
+                <a:lnTo>
+                  <a:pt x="414527" y="167513"/>
+                </a:lnTo>
+                <a:lnTo>
+                  <a:pt x="414527" y="152527"/>
+                </a:lnTo>
+                <a:lnTo>
+                  <a:pt x="420750" y="146304"/>
+                </a:lnTo>
+                <a:lnTo>
+                  <a:pt x="591704" y="146304"/>
+                </a:lnTo>
+                <a:lnTo>
+                  <a:pt x="591213" y="145424"/>
+                </a:lnTo>
+                <a:lnTo>
+                  <a:pt x="564108" y="109748"/>
+                </a:lnTo>
+                <a:lnTo>
+                  <a:pt x="532359" y="78232"/>
+                </a:lnTo>
+                <a:lnTo>
+                  <a:pt x="496469" y="51360"/>
+                </a:lnTo>
+                <a:lnTo>
+                  <a:pt x="456941" y="29616"/>
+                </a:lnTo>
+                <a:lnTo>
+                  <a:pt x="414278" y="13485"/>
+                </a:lnTo>
+                <a:lnTo>
+                  <a:pt x="368985" y="3452"/>
+                </a:lnTo>
+                <a:lnTo>
+                  <a:pt x="321563" y="0"/>
+                </a:lnTo>
+                <a:close/>
+              </a:path>
+              <a:path w="643254" h="640080">
+                <a:moveTo>
+                  <a:pt x="173354" y="412496"/>
+                </a:moveTo>
+                <a:lnTo>
+                  <a:pt x="140715" y="412496"/>
+                </a:lnTo>
+                <a:lnTo>
+                  <a:pt x="146938" y="418846"/>
+                </a:lnTo>
+                <a:lnTo>
+                  <a:pt x="146938" y="459994"/>
+                </a:lnTo>
+                <a:lnTo>
+                  <a:pt x="140715" y="466344"/>
+                </a:lnTo>
+                <a:lnTo>
+                  <a:pt x="179577" y="466344"/>
+                </a:lnTo>
+                <a:lnTo>
+                  <a:pt x="173354" y="459994"/>
+                </a:lnTo>
+                <a:lnTo>
+                  <a:pt x="173354" y="412496"/>
+                </a:lnTo>
+                <a:close/>
+              </a:path>
+              <a:path w="643254" h="640080">
+                <a:moveTo>
+                  <a:pt x="468502" y="191262"/>
+                </a:moveTo>
+                <a:lnTo>
+                  <a:pt x="355473" y="305054"/>
+                </a:lnTo>
+                <a:lnTo>
+                  <a:pt x="351662" y="306324"/>
+                </a:lnTo>
+                <a:lnTo>
+                  <a:pt x="244982" y="306324"/>
+                </a:lnTo>
+                <a:lnTo>
+                  <a:pt x="141985" y="383794"/>
+                </a:lnTo>
+                <a:lnTo>
+                  <a:pt x="136905" y="386334"/>
+                </a:lnTo>
+                <a:lnTo>
+                  <a:pt x="194690" y="386334"/>
+                </a:lnTo>
+                <a:lnTo>
+                  <a:pt x="200913" y="392557"/>
+                </a:lnTo>
+                <a:lnTo>
+                  <a:pt x="200913" y="459994"/>
+                </a:lnTo>
+                <a:lnTo>
+                  <a:pt x="194690" y="466344"/>
+                </a:lnTo>
+                <a:lnTo>
+                  <a:pt x="233679" y="466344"/>
+                </a:lnTo>
+                <a:lnTo>
+                  <a:pt x="227329" y="459994"/>
+                </a:lnTo>
+                <a:lnTo>
+                  <a:pt x="227329" y="352552"/>
+                </a:lnTo>
+                <a:lnTo>
+                  <a:pt x="233679" y="346329"/>
+                </a:lnTo>
+                <a:lnTo>
+                  <a:pt x="281304" y="346329"/>
+                </a:lnTo>
+                <a:lnTo>
+                  <a:pt x="281304" y="338836"/>
+                </a:lnTo>
+                <a:lnTo>
+                  <a:pt x="286384" y="332486"/>
+                </a:lnTo>
+                <a:lnTo>
+                  <a:pt x="388111" y="332486"/>
+                </a:lnTo>
+                <a:lnTo>
+                  <a:pt x="388111" y="298831"/>
+                </a:lnTo>
+                <a:lnTo>
+                  <a:pt x="394461" y="292481"/>
+                </a:lnTo>
+                <a:lnTo>
+                  <a:pt x="442086" y="292481"/>
+                </a:lnTo>
+                <a:lnTo>
+                  <a:pt x="442086" y="258826"/>
+                </a:lnTo>
+                <a:lnTo>
+                  <a:pt x="447166" y="252476"/>
+                </a:lnTo>
+                <a:lnTo>
+                  <a:pt x="635123" y="252476"/>
+                </a:lnTo>
+                <a:lnTo>
+                  <a:pt x="629478" y="227318"/>
+                </a:lnTo>
+                <a:lnTo>
+                  <a:pt x="629093" y="226314"/>
+                </a:lnTo>
+                <a:lnTo>
+                  <a:pt x="474852" y="226314"/>
+                </a:lnTo>
+                <a:lnTo>
+                  <a:pt x="468502" y="219964"/>
+                </a:lnTo>
+                <a:lnTo>
+                  <a:pt x="468502" y="191262"/>
+                </a:lnTo>
+                <a:close/>
+              </a:path>
+              <a:path w="643254" h="640080">
+                <a:moveTo>
+                  <a:pt x="281304" y="346329"/>
+                </a:moveTo>
+                <a:lnTo>
+                  <a:pt x="248665" y="346329"/>
+                </a:lnTo>
+                <a:lnTo>
+                  <a:pt x="253745" y="352552"/>
+                </a:lnTo>
+                <a:lnTo>
+                  <a:pt x="253745" y="459994"/>
+                </a:lnTo>
+                <a:lnTo>
+                  <a:pt x="248665" y="466344"/>
+                </a:lnTo>
+                <a:lnTo>
+                  <a:pt x="286384" y="466344"/>
+                </a:lnTo>
+                <a:lnTo>
+                  <a:pt x="281304" y="459994"/>
+                </a:lnTo>
+                <a:lnTo>
+                  <a:pt x="281304" y="346329"/>
+                </a:lnTo>
+                <a:close/>
+              </a:path>
+              <a:path w="643254" h="640080">
+                <a:moveTo>
+                  <a:pt x="340359" y="332486"/>
+                </a:moveTo>
+                <a:lnTo>
+                  <a:pt x="301498" y="332486"/>
+                </a:lnTo>
+                <a:lnTo>
+                  <a:pt x="307720" y="338836"/>
+                </a:lnTo>
+                <a:lnTo>
+                  <a:pt x="307720" y="459994"/>
+                </a:lnTo>
+                <a:lnTo>
+                  <a:pt x="301498" y="466344"/>
+                </a:lnTo>
+                <a:lnTo>
+                  <a:pt x="340359" y="466344"/>
+                </a:lnTo>
+                <a:lnTo>
+                  <a:pt x="334136" y="459994"/>
+                </a:lnTo>
+                <a:lnTo>
+                  <a:pt x="334136" y="338836"/>
+                </a:lnTo>
+                <a:lnTo>
+                  <a:pt x="340359" y="332486"/>
+                </a:lnTo>
+                <a:close/>
+              </a:path>
+              <a:path w="643254" h="640080">
+                <a:moveTo>
+                  <a:pt x="388111" y="332486"/>
+                </a:moveTo>
+                <a:lnTo>
+                  <a:pt x="355473" y="332486"/>
+                </a:lnTo>
+                <a:lnTo>
+                  <a:pt x="361695" y="338836"/>
+                </a:lnTo>
+                <a:lnTo>
+                  <a:pt x="361695" y="459994"/>
+                </a:lnTo>
+                <a:lnTo>
+                  <a:pt x="355473" y="466344"/>
+                </a:lnTo>
+                <a:lnTo>
+                  <a:pt x="394461" y="466344"/>
+                </a:lnTo>
+                <a:lnTo>
+                  <a:pt x="388111" y="459994"/>
+                </a:lnTo>
+                <a:lnTo>
+                  <a:pt x="388111" y="332486"/>
+                </a:lnTo>
+                <a:close/>
+              </a:path>
+              <a:path w="643254" h="640080">
+                <a:moveTo>
+                  <a:pt x="442086" y="292481"/>
+                </a:moveTo>
+                <a:lnTo>
+                  <a:pt x="409448" y="292481"/>
+                </a:lnTo>
+                <a:lnTo>
+                  <a:pt x="414527" y="298831"/>
+                </a:lnTo>
+                <a:lnTo>
+                  <a:pt x="414527" y="459994"/>
+                </a:lnTo>
+                <a:lnTo>
+                  <a:pt x="409448" y="466344"/>
+                </a:lnTo>
+                <a:lnTo>
+                  <a:pt x="447166" y="466344"/>
+                </a:lnTo>
+                <a:lnTo>
+                  <a:pt x="442086" y="459994"/>
+                </a:lnTo>
+                <a:lnTo>
+                  <a:pt x="442086" y="292481"/>
+                </a:lnTo>
+                <a:close/>
+              </a:path>
+              <a:path w="643254" h="640080">
+                <a:moveTo>
+                  <a:pt x="635123" y="252476"/>
+                </a:moveTo>
+                <a:lnTo>
+                  <a:pt x="462279" y="252476"/>
+                </a:lnTo>
+                <a:lnTo>
+                  <a:pt x="468502" y="258826"/>
+                </a:lnTo>
+                <a:lnTo>
+                  <a:pt x="468502" y="459994"/>
+                </a:lnTo>
+                <a:lnTo>
+                  <a:pt x="462279" y="466344"/>
+                </a:lnTo>
+                <a:lnTo>
+                  <a:pt x="606702" y="466344"/>
+                </a:lnTo>
+                <a:lnTo>
+                  <a:pt x="613171" y="454754"/>
+                </a:lnTo>
+                <a:lnTo>
+                  <a:pt x="629478" y="412297"/>
+                </a:lnTo>
+                <a:lnTo>
+                  <a:pt x="639631" y="367225"/>
+                </a:lnTo>
+                <a:lnTo>
+                  <a:pt x="643127" y="320040"/>
+                </a:lnTo>
+                <a:lnTo>
+                  <a:pt x="639631" y="272568"/>
+                </a:lnTo>
+                <a:lnTo>
+                  <a:pt x="635123" y="252476"/>
+                </a:lnTo>
+                <a:close/>
+              </a:path>
+              <a:path w="643254" h="640080">
+                <a:moveTo>
+                  <a:pt x="591704" y="146304"/>
+                </a:moveTo>
+                <a:lnTo>
+                  <a:pt x="484885" y="146304"/>
+                </a:lnTo>
+                <a:lnTo>
+                  <a:pt x="487425" y="147574"/>
+                </a:lnTo>
+                <a:lnTo>
+                  <a:pt x="489838" y="148717"/>
+                </a:lnTo>
+                <a:lnTo>
+                  <a:pt x="492378" y="151257"/>
+                </a:lnTo>
+                <a:lnTo>
+                  <a:pt x="494918" y="155067"/>
+                </a:lnTo>
+                <a:lnTo>
+                  <a:pt x="494918" y="219964"/>
+                </a:lnTo>
+                <a:lnTo>
+                  <a:pt x="489838" y="226314"/>
+                </a:lnTo>
+                <a:lnTo>
+                  <a:pt x="629093" y="226314"/>
+                </a:lnTo>
+                <a:lnTo>
+                  <a:pt x="613171" y="184776"/>
+                </a:lnTo>
+                <a:lnTo>
+                  <a:pt x="591704" y="146304"/>
+                </a:lnTo>
+                <a:close/>
+              </a:path>
+            </a:pathLst>
+          </a:custGeom>
+          <a:solidFill>
+            <a:schemeClr val="accent4">
+              <a:lumMod val="50000"/>
+            </a:schemeClr>
+          </a:solidFill>
+        </p:spPr>
+        <p:txBody>
+          <a:bodyPr wrap="square" lIns="0" tIns="0" rIns="0" bIns="0" rtlCol="0"/>
+          <a:lstStyle/>
+          <a:p>
+            <a:endParaRPr/>
+          </a:p>
+        </p:txBody>
+      </p:sp>
+      <p:sp>
+        <p:nvSpPr>
+          <p:cNvPr id="129" name="object 11">
+            <a:extLst>
+              <a:ext uri="{FF2B5EF4-FFF2-40B4-BE49-F238E27FC236}">
+                <a16:creationId xmlns:a16="http://schemas.microsoft.com/office/drawing/2014/main" id="{DFCB5BB8-3FA9-4E00-BAD5-34D0E119526E}"/>
+              </a:ext>
+            </a:extLst>
+          </p:cNvPr>
+          <p:cNvSpPr txBox="1"/>
+          <p:nvPr/>
+        </p:nvSpPr>
+        <p:spPr>
+          <a:xfrm>
+            <a:off x="4779161" y="5190846"/>
+            <a:ext cx="1899133" cy="350737"/>
+          </a:xfrm>
+          <a:prstGeom prst="rect">
+            <a:avLst/>
+          </a:prstGeom>
+        </p:spPr>
+        <p:txBody>
+          <a:bodyPr vert="horz" wrap="square" lIns="0" tIns="12065" rIns="0" bIns="0" rtlCol="0">
+            <a:spAutoFit/>
+          </a:bodyPr>
+          <a:lstStyle/>
+          <a:p>
+            <a:pPr marL="12700" algn="ctr">
+              <a:lnSpc>
+                <a:spcPct val="100000"/>
+              </a:lnSpc>
+              <a:spcBef>
+                <a:spcPts val="95"/>
+              </a:spcBef>
+            </a:pPr>
+            <a:r>
+              <a:rPr lang="en-US" sz="1100" b="1" spc="-5" dirty="0">
+                <a:solidFill>
+                  <a:srgbClr val="046A38"/>
+                </a:solidFill>
+                <a:latin typeface="Verdana"/>
+                <a:cs typeface="Verdana"/>
+              </a:rPr>
+              <a:t>External Spend &amp; Demand Management</a:t>
+            </a:r>
+            <a:endParaRPr sz="1100" dirty="0">
+              <a:latin typeface="Verdana"/>
+              <a:cs typeface="Verdana"/>
+            </a:endParaRPr>
+          </a:p>
+        </p:txBody>
+      </p:sp>
+      <p:sp>
+        <p:nvSpPr>
+          <p:cNvPr id="131" name="object 5">
+            <a:extLst>
+              <a:ext uri="{FF2B5EF4-FFF2-40B4-BE49-F238E27FC236}">
+                <a16:creationId xmlns:a16="http://schemas.microsoft.com/office/drawing/2014/main" id="{B0C5B576-44AB-4740-9D94-CA533AF37F7E}"/>
+              </a:ext>
+            </a:extLst>
+          </p:cNvPr>
+          <p:cNvSpPr/>
+          <p:nvPr/>
+        </p:nvSpPr>
+        <p:spPr>
+          <a:xfrm>
+            <a:off x="5388261" y="4528450"/>
+            <a:ext cx="640080" cy="640080"/>
+          </a:xfrm>
+          <a:custGeom>
+            <a:avLst/>
+            <a:gdLst/>
+            <a:ahLst/>
+            <a:cxnLst/>
+            <a:rect l="l" t="t" r="r" b="b"/>
+            <a:pathLst>
+              <a:path w="731520" h="731519">
+                <a:moveTo>
+                  <a:pt x="365760" y="0"/>
+                </a:moveTo>
+                <a:lnTo>
+                  <a:pt x="319694" y="2834"/>
+                </a:lnTo>
+                <a:lnTo>
+                  <a:pt x="275388" y="11114"/>
+                </a:lnTo>
+                <a:lnTo>
+                  <a:pt x="233178" y="24504"/>
+                </a:lnTo>
+                <a:lnTo>
+                  <a:pt x="193397" y="42669"/>
+                </a:lnTo>
+                <a:lnTo>
+                  <a:pt x="156381" y="65274"/>
+                </a:lnTo>
+                <a:lnTo>
+                  <a:pt x="122465" y="91985"/>
+                </a:lnTo>
+                <a:lnTo>
+                  <a:pt x="91985" y="122465"/>
+                </a:lnTo>
+                <a:lnTo>
+                  <a:pt x="65274" y="156381"/>
+                </a:lnTo>
+                <a:lnTo>
+                  <a:pt x="42669" y="193397"/>
+                </a:lnTo>
+                <a:lnTo>
+                  <a:pt x="24504" y="233178"/>
+                </a:lnTo>
+                <a:lnTo>
+                  <a:pt x="11114" y="275388"/>
+                </a:lnTo>
+                <a:lnTo>
+                  <a:pt x="2834" y="319694"/>
+                </a:lnTo>
+                <a:lnTo>
+                  <a:pt x="0" y="365760"/>
+                </a:lnTo>
+                <a:lnTo>
+                  <a:pt x="2834" y="411525"/>
+                </a:lnTo>
+                <a:lnTo>
+                  <a:pt x="11114" y="455627"/>
+                </a:lnTo>
+                <a:lnTo>
+                  <a:pt x="24504" y="497717"/>
+                </a:lnTo>
+                <a:lnTo>
+                  <a:pt x="42669" y="537448"/>
+                </a:lnTo>
+                <a:lnTo>
+                  <a:pt x="65274" y="574472"/>
+                </a:lnTo>
+                <a:lnTo>
+                  <a:pt x="91985" y="608442"/>
+                </a:lnTo>
+                <a:lnTo>
+                  <a:pt x="122465" y="639010"/>
+                </a:lnTo>
+                <a:lnTo>
+                  <a:pt x="156381" y="665829"/>
+                </a:lnTo>
+                <a:lnTo>
+                  <a:pt x="193397" y="688551"/>
+                </a:lnTo>
+                <a:lnTo>
+                  <a:pt x="233178" y="706828"/>
+                </a:lnTo>
+                <a:lnTo>
+                  <a:pt x="275388" y="720314"/>
+                </a:lnTo>
+                <a:lnTo>
+                  <a:pt x="319694" y="728660"/>
+                </a:lnTo>
+                <a:lnTo>
+                  <a:pt x="365760" y="731520"/>
+                </a:lnTo>
+                <a:lnTo>
+                  <a:pt x="411525" y="728660"/>
+                </a:lnTo>
+                <a:lnTo>
+                  <a:pt x="455627" y="720314"/>
+                </a:lnTo>
+                <a:lnTo>
+                  <a:pt x="497717" y="706828"/>
+                </a:lnTo>
+                <a:lnTo>
+                  <a:pt x="537448" y="688551"/>
+                </a:lnTo>
+                <a:lnTo>
+                  <a:pt x="574472" y="665829"/>
+                </a:lnTo>
+                <a:lnTo>
+                  <a:pt x="608442" y="639010"/>
+                </a:lnTo>
+                <a:lnTo>
+                  <a:pt x="639010" y="608442"/>
+                </a:lnTo>
+                <a:lnTo>
+                  <a:pt x="665829" y="574472"/>
+                </a:lnTo>
+                <a:lnTo>
+                  <a:pt x="688551" y="537448"/>
+                </a:lnTo>
+                <a:lnTo>
+                  <a:pt x="690647" y="532892"/>
+                </a:lnTo>
+                <a:lnTo>
+                  <a:pt x="285750" y="532892"/>
+                </a:lnTo>
+                <a:lnTo>
+                  <a:pt x="282829" y="531495"/>
+                </a:lnTo>
+                <a:lnTo>
+                  <a:pt x="281432" y="531495"/>
+                </a:lnTo>
+                <a:lnTo>
+                  <a:pt x="280035" y="530098"/>
+                </a:lnTo>
+                <a:lnTo>
+                  <a:pt x="278638" y="528574"/>
+                </a:lnTo>
+                <a:lnTo>
+                  <a:pt x="232918" y="482854"/>
+                </a:lnTo>
+                <a:lnTo>
+                  <a:pt x="232918" y="472948"/>
+                </a:lnTo>
+                <a:lnTo>
+                  <a:pt x="244348" y="461518"/>
+                </a:lnTo>
+                <a:lnTo>
+                  <a:pt x="274320" y="461518"/>
+                </a:lnTo>
+                <a:lnTo>
+                  <a:pt x="274320" y="204343"/>
+                </a:lnTo>
+                <a:lnTo>
+                  <a:pt x="280035" y="197104"/>
+                </a:lnTo>
+                <a:lnTo>
+                  <a:pt x="690254" y="197104"/>
+                </a:lnTo>
+                <a:lnTo>
+                  <a:pt x="688551" y="193397"/>
+                </a:lnTo>
+                <a:lnTo>
+                  <a:pt x="665829" y="156381"/>
+                </a:lnTo>
+                <a:lnTo>
+                  <a:pt x="639010" y="122465"/>
+                </a:lnTo>
+                <a:lnTo>
+                  <a:pt x="608442" y="91985"/>
+                </a:lnTo>
+                <a:lnTo>
+                  <a:pt x="574472" y="65274"/>
+                </a:lnTo>
+                <a:lnTo>
+                  <a:pt x="537448" y="42669"/>
+                </a:lnTo>
+                <a:lnTo>
+                  <a:pt x="497717" y="24504"/>
+                </a:lnTo>
+                <a:lnTo>
+                  <a:pt x="455627" y="11114"/>
+                </a:lnTo>
+                <a:lnTo>
+                  <a:pt x="411525" y="2834"/>
+                </a:lnTo>
+                <a:lnTo>
+                  <a:pt x="365760" y="0"/>
+                </a:lnTo>
+                <a:close/>
+              </a:path>
+              <a:path w="731520" h="731519">
+                <a:moveTo>
+                  <a:pt x="365760" y="461518"/>
+                </a:moveTo>
+                <a:lnTo>
+                  <a:pt x="332867" y="461518"/>
+                </a:lnTo>
+                <a:lnTo>
+                  <a:pt x="338582" y="467233"/>
+                </a:lnTo>
+                <a:lnTo>
+                  <a:pt x="342582" y="472174"/>
+                </a:lnTo>
+                <a:lnTo>
+                  <a:pt x="343916" y="477901"/>
+                </a:lnTo>
+                <a:lnTo>
+                  <a:pt x="342582" y="483627"/>
+                </a:lnTo>
+                <a:lnTo>
+                  <a:pt x="338582" y="488569"/>
+                </a:lnTo>
+                <a:lnTo>
+                  <a:pt x="299974" y="528574"/>
+                </a:lnTo>
+                <a:lnTo>
+                  <a:pt x="298576" y="530098"/>
+                </a:lnTo>
+                <a:lnTo>
+                  <a:pt x="297180" y="531495"/>
+                </a:lnTo>
+                <a:lnTo>
+                  <a:pt x="294259" y="531495"/>
+                </a:lnTo>
+                <a:lnTo>
+                  <a:pt x="292862" y="532892"/>
+                </a:lnTo>
+                <a:lnTo>
+                  <a:pt x="371475" y="532892"/>
+                </a:lnTo>
+                <a:lnTo>
+                  <a:pt x="365760" y="525780"/>
+                </a:lnTo>
+                <a:lnTo>
+                  <a:pt x="365760" y="508635"/>
+                </a:lnTo>
+                <a:lnTo>
+                  <a:pt x="371475" y="502920"/>
+                </a:lnTo>
+                <a:lnTo>
+                  <a:pt x="704435" y="502920"/>
+                </a:lnTo>
+                <a:lnTo>
+                  <a:pt x="706828" y="497717"/>
+                </a:lnTo>
+                <a:lnTo>
+                  <a:pt x="715253" y="471424"/>
+                </a:lnTo>
+                <a:lnTo>
+                  <a:pt x="371475" y="471424"/>
+                </a:lnTo>
+                <a:lnTo>
+                  <a:pt x="365760" y="465709"/>
+                </a:lnTo>
+                <a:lnTo>
+                  <a:pt x="365760" y="461518"/>
+                </a:lnTo>
+                <a:close/>
+              </a:path>
+              <a:path w="731520" h="731519">
+                <a:moveTo>
+                  <a:pt x="704435" y="502920"/>
+                </a:moveTo>
+                <a:lnTo>
+                  <a:pt x="404368" y="502920"/>
+                </a:lnTo>
+                <a:lnTo>
+                  <a:pt x="411480" y="508635"/>
+                </a:lnTo>
+                <a:lnTo>
+                  <a:pt x="411480" y="525780"/>
+                </a:lnTo>
+                <a:lnTo>
+                  <a:pt x="404368" y="532892"/>
+                </a:lnTo>
+                <a:lnTo>
+                  <a:pt x="690647" y="532892"/>
+                </a:lnTo>
+                <a:lnTo>
+                  <a:pt x="704435" y="502920"/>
+                </a:lnTo>
+                <a:close/>
+              </a:path>
+              <a:path w="731520" h="731519">
+                <a:moveTo>
+                  <a:pt x="274320" y="461518"/>
+                </a:moveTo>
+                <a:lnTo>
+                  <a:pt x="254254" y="461518"/>
+                </a:lnTo>
+                <a:lnTo>
+                  <a:pt x="274320" y="481457"/>
+                </a:lnTo>
+                <a:lnTo>
+                  <a:pt x="274320" y="461518"/>
+                </a:lnTo>
+                <a:close/>
+              </a:path>
+              <a:path w="731520" h="731519">
+                <a:moveTo>
+                  <a:pt x="371475" y="197104"/>
+                </a:moveTo>
+                <a:lnTo>
+                  <a:pt x="297180" y="197104"/>
+                </a:lnTo>
+                <a:lnTo>
+                  <a:pt x="304292" y="204343"/>
+                </a:lnTo>
+                <a:lnTo>
+                  <a:pt x="304292" y="481457"/>
+                </a:lnTo>
+                <a:lnTo>
+                  <a:pt x="317119" y="467233"/>
+                </a:lnTo>
+                <a:lnTo>
+                  <a:pt x="324358" y="461518"/>
+                </a:lnTo>
+                <a:lnTo>
+                  <a:pt x="365760" y="461518"/>
+                </a:lnTo>
+                <a:lnTo>
+                  <a:pt x="365760" y="448563"/>
+                </a:lnTo>
+                <a:lnTo>
+                  <a:pt x="371475" y="441451"/>
+                </a:lnTo>
+                <a:lnTo>
+                  <a:pt x="722997" y="441451"/>
+                </a:lnTo>
+                <a:lnTo>
+                  <a:pt x="728663" y="411480"/>
+                </a:lnTo>
+                <a:lnTo>
+                  <a:pt x="371475" y="411480"/>
+                </a:lnTo>
+                <a:lnTo>
+                  <a:pt x="365760" y="404368"/>
+                </a:lnTo>
+                <a:lnTo>
+                  <a:pt x="365760" y="387223"/>
+                </a:lnTo>
+                <a:lnTo>
+                  <a:pt x="371475" y="379984"/>
+                </a:lnTo>
+                <a:lnTo>
+                  <a:pt x="730631" y="379984"/>
+                </a:lnTo>
+                <a:lnTo>
+                  <a:pt x="731520" y="365760"/>
+                </a:lnTo>
+                <a:lnTo>
+                  <a:pt x="730542" y="350012"/>
+                </a:lnTo>
+                <a:lnTo>
+                  <a:pt x="371475" y="350012"/>
+                </a:lnTo>
+                <a:lnTo>
+                  <a:pt x="365760" y="342900"/>
+                </a:lnTo>
+                <a:lnTo>
+                  <a:pt x="365760" y="325755"/>
+                </a:lnTo>
+                <a:lnTo>
+                  <a:pt x="371475" y="320039"/>
+                </a:lnTo>
+                <a:lnTo>
+                  <a:pt x="728682" y="320039"/>
+                </a:lnTo>
+                <a:lnTo>
+                  <a:pt x="728660" y="319694"/>
+                </a:lnTo>
+                <a:lnTo>
+                  <a:pt x="722792" y="288544"/>
+                </a:lnTo>
+                <a:lnTo>
+                  <a:pt x="371475" y="288544"/>
+                </a:lnTo>
+                <a:lnTo>
+                  <a:pt x="365760" y="282829"/>
+                </a:lnTo>
+                <a:lnTo>
+                  <a:pt x="365760" y="265684"/>
+                </a:lnTo>
+                <a:lnTo>
+                  <a:pt x="371475" y="258572"/>
+                </a:lnTo>
+                <a:lnTo>
+                  <a:pt x="714941" y="258572"/>
+                </a:lnTo>
+                <a:lnTo>
+                  <a:pt x="706828" y="233178"/>
+                </a:lnTo>
+                <a:lnTo>
+                  <a:pt x="704725" y="228600"/>
+                </a:lnTo>
+                <a:lnTo>
+                  <a:pt x="371475" y="228600"/>
+                </a:lnTo>
+                <a:lnTo>
+                  <a:pt x="365760" y="221487"/>
+                </a:lnTo>
+                <a:lnTo>
+                  <a:pt x="365760" y="204343"/>
+                </a:lnTo>
+                <a:lnTo>
+                  <a:pt x="371475" y="197104"/>
+                </a:lnTo>
+                <a:close/>
+              </a:path>
+              <a:path w="731520" h="731519">
+                <a:moveTo>
+                  <a:pt x="722997" y="441451"/>
+                </a:moveTo>
+                <a:lnTo>
+                  <a:pt x="434340" y="441451"/>
+                </a:lnTo>
+                <a:lnTo>
+                  <a:pt x="441451" y="448563"/>
+                </a:lnTo>
+                <a:lnTo>
+                  <a:pt x="441451" y="465709"/>
+                </a:lnTo>
+                <a:lnTo>
+                  <a:pt x="434340" y="471424"/>
+                </a:lnTo>
+                <a:lnTo>
+                  <a:pt x="715253" y="471424"/>
+                </a:lnTo>
+                <a:lnTo>
+                  <a:pt x="720314" y="455627"/>
+                </a:lnTo>
+                <a:lnTo>
+                  <a:pt x="722997" y="441451"/>
+                </a:lnTo>
+                <a:close/>
+              </a:path>
+              <a:path w="731520" h="731519">
+                <a:moveTo>
+                  <a:pt x="730631" y="379984"/>
+                </a:moveTo>
+                <a:lnTo>
+                  <a:pt x="465709" y="379984"/>
+                </a:lnTo>
+                <a:lnTo>
+                  <a:pt x="471424" y="387223"/>
+                </a:lnTo>
+                <a:lnTo>
+                  <a:pt x="471424" y="404368"/>
+                </a:lnTo>
+                <a:lnTo>
+                  <a:pt x="465709" y="411480"/>
+                </a:lnTo>
+                <a:lnTo>
+                  <a:pt x="728663" y="411480"/>
+                </a:lnTo>
+                <a:lnTo>
+                  <a:pt x="730631" y="379984"/>
+                </a:lnTo>
+                <a:close/>
+              </a:path>
+              <a:path w="731520" h="731519">
+                <a:moveTo>
+                  <a:pt x="728682" y="320039"/>
+                </a:moveTo>
+                <a:lnTo>
+                  <a:pt x="495808" y="320039"/>
+                </a:lnTo>
+                <a:lnTo>
+                  <a:pt x="502920" y="325755"/>
+                </a:lnTo>
+                <a:lnTo>
+                  <a:pt x="502920" y="342900"/>
+                </a:lnTo>
+                <a:lnTo>
+                  <a:pt x="495808" y="350012"/>
+                </a:lnTo>
+                <a:lnTo>
+                  <a:pt x="730542" y="350012"/>
+                </a:lnTo>
+                <a:lnTo>
+                  <a:pt x="728682" y="320039"/>
+                </a:lnTo>
+                <a:close/>
+              </a:path>
+              <a:path w="731520" h="731519">
+                <a:moveTo>
+                  <a:pt x="714941" y="258572"/>
+                </a:moveTo>
+                <a:lnTo>
+                  <a:pt x="525780" y="258572"/>
+                </a:lnTo>
+                <a:lnTo>
+                  <a:pt x="532892" y="265684"/>
+                </a:lnTo>
+                <a:lnTo>
+                  <a:pt x="532892" y="282829"/>
+                </a:lnTo>
+                <a:lnTo>
+                  <a:pt x="525780" y="288544"/>
+                </a:lnTo>
+                <a:lnTo>
+                  <a:pt x="722792" y="288544"/>
+                </a:lnTo>
+                <a:lnTo>
+                  <a:pt x="720314" y="275388"/>
+                </a:lnTo>
+                <a:lnTo>
+                  <a:pt x="714941" y="258572"/>
+                </a:lnTo>
+                <a:close/>
+              </a:path>
+              <a:path w="731520" h="731519">
+                <a:moveTo>
+                  <a:pt x="690254" y="197104"/>
+                </a:moveTo>
+                <a:lnTo>
+                  <a:pt x="548640" y="197104"/>
+                </a:lnTo>
+                <a:lnTo>
+                  <a:pt x="555751" y="204343"/>
+                </a:lnTo>
+                <a:lnTo>
+                  <a:pt x="555751" y="221487"/>
+                </a:lnTo>
+                <a:lnTo>
+                  <a:pt x="548640" y="228600"/>
+                </a:lnTo>
+                <a:lnTo>
+                  <a:pt x="704725" y="228600"/>
+                </a:lnTo>
+                <a:lnTo>
+                  <a:pt x="690254" y="197104"/>
+                </a:lnTo>
+                <a:close/>
+              </a:path>
+            </a:pathLst>
+          </a:custGeom>
+          <a:solidFill>
+            <a:srgbClr val="046A38"/>
+          </a:solidFill>
+        </p:spPr>
+        <p:txBody>
+          <a:bodyPr wrap="square" lIns="0" tIns="0" rIns="0" bIns="0" rtlCol="0"/>
+          <a:lstStyle/>
+          <a:p>
+            <a:endParaRPr/>
+          </a:p>
+        </p:txBody>
+      </p:sp>
+      <p:sp>
+        <p:nvSpPr>
+          <p:cNvPr id="135" name="Rectangle 134">
+            <a:extLst>
+              <a:ext uri="{FF2B5EF4-FFF2-40B4-BE49-F238E27FC236}">
+                <a16:creationId xmlns:a16="http://schemas.microsoft.com/office/drawing/2014/main" id="{153D29FB-F35B-444A-A559-1D9AE4D783B1}"/>
+              </a:ext>
+            </a:extLst>
+          </p:cNvPr>
+          <p:cNvSpPr/>
+          <p:nvPr/>
+        </p:nvSpPr>
+        <p:spPr>
+          <a:xfrm>
+            <a:off x="4559456" y="3512787"/>
+            <a:ext cx="2273745" cy="830997"/>
+          </a:xfrm>
+          <a:prstGeom prst="rect">
+            <a:avLst/>
+          </a:prstGeom>
+        </p:spPr>
+        <p:txBody>
+          <a:bodyPr wrap="square">
+            <a:spAutoFit/>
+          </a:bodyPr>
+          <a:lstStyle/>
+          <a:p>
+            <a:pPr marL="12700" marR="5080" algn="ctr">
+              <a:spcBef>
+                <a:spcPts val="100"/>
+              </a:spcBef>
+            </a:pPr>
+            <a:r>
+              <a:rPr lang="en-US" sz="1200" spc="-25" dirty="0">
+                <a:solidFill>
+                  <a:schemeClr val="tx1">
+                    <a:lumMod val="50000"/>
+                    <a:lumOff val="50000"/>
+                  </a:schemeClr>
+                </a:solidFill>
+                <a:latin typeface="Verdana"/>
+              </a:rPr>
+              <a:t>Optimizing the work is performed vis-à-vis the number of resources and at what cost. </a:t>
+            </a:r>
+          </a:p>
+        </p:txBody>
+      </p:sp>
+      <p:sp>
+        <p:nvSpPr>
+          <p:cNvPr id="136" name="Rectangle 135">
+            <a:extLst>
+              <a:ext uri="{FF2B5EF4-FFF2-40B4-BE49-F238E27FC236}">
+                <a16:creationId xmlns:a16="http://schemas.microsoft.com/office/drawing/2014/main" id="{3C443555-A6D2-455C-A5CD-A387D0CCD1A7}"/>
+              </a:ext>
+            </a:extLst>
+          </p:cNvPr>
+          <p:cNvSpPr/>
+          <p:nvPr/>
+        </p:nvSpPr>
+        <p:spPr>
+          <a:xfrm>
+            <a:off x="1254898" y="3430178"/>
+            <a:ext cx="2587443" cy="1015663"/>
+          </a:xfrm>
+          <a:prstGeom prst="rect">
+            <a:avLst/>
+          </a:prstGeom>
+        </p:spPr>
+        <p:txBody>
+          <a:bodyPr wrap="square">
+            <a:spAutoFit/>
+          </a:bodyPr>
+          <a:lstStyle/>
+          <a:p>
+            <a:pPr marL="12700" marR="5080" algn="ctr">
+              <a:spcBef>
+                <a:spcPts val="100"/>
+              </a:spcBef>
+            </a:pPr>
+            <a:r>
+              <a:rPr lang="en-US" sz="1200" spc="-25" dirty="0">
+                <a:solidFill>
+                  <a:schemeClr val="tx1">
+                    <a:lumMod val="50000"/>
+                    <a:lumOff val="50000"/>
+                  </a:schemeClr>
+                </a:solidFill>
+                <a:latin typeface="Verdana"/>
+              </a:rPr>
+              <a:t>Standardizing, re-engineering and automating end-to-end processes (e.g., order-to-cash, procure-to-pay) across BUs and geographies.</a:t>
+            </a:r>
+          </a:p>
+        </p:txBody>
+      </p:sp>
+      <p:sp>
+        <p:nvSpPr>
+          <p:cNvPr id="137" name="Rectangle 136">
+            <a:extLst>
+              <a:ext uri="{FF2B5EF4-FFF2-40B4-BE49-F238E27FC236}">
+                <a16:creationId xmlns:a16="http://schemas.microsoft.com/office/drawing/2014/main" id="{DA386504-BEA4-4D83-9AB7-88160D2A9636}"/>
+              </a:ext>
+            </a:extLst>
+          </p:cNvPr>
+          <p:cNvSpPr/>
+          <p:nvPr/>
+        </p:nvSpPr>
+        <p:spPr>
+          <a:xfrm>
+            <a:off x="1394753" y="5524870"/>
+            <a:ext cx="2298544" cy="1015663"/>
+          </a:xfrm>
+          <a:prstGeom prst="rect">
+            <a:avLst/>
+          </a:prstGeom>
+        </p:spPr>
+        <p:txBody>
+          <a:bodyPr wrap="square">
+            <a:spAutoFit/>
+          </a:bodyPr>
+          <a:lstStyle/>
+          <a:p>
+            <a:pPr marL="12700" marR="5080" algn="ctr">
+              <a:spcBef>
+                <a:spcPts val="100"/>
+              </a:spcBef>
+            </a:pPr>
+            <a:r>
+              <a:rPr lang="en-US" sz="1200" spc="-25" dirty="0">
+                <a:solidFill>
+                  <a:schemeClr val="tx1">
+                    <a:lumMod val="50000"/>
+                    <a:lumOff val="50000"/>
+                  </a:schemeClr>
+                </a:solidFill>
+                <a:latin typeface="Verdana"/>
+              </a:rPr>
+              <a:t>Defining required functional capabilities, roles &amp; responsibilities, reducing layers and increasing spans of control</a:t>
+            </a:r>
+          </a:p>
+        </p:txBody>
+      </p:sp>
+      <p:sp>
+        <p:nvSpPr>
+          <p:cNvPr id="138" name="Rectangle 137">
+            <a:extLst>
+              <a:ext uri="{FF2B5EF4-FFF2-40B4-BE49-F238E27FC236}">
+                <a16:creationId xmlns:a16="http://schemas.microsoft.com/office/drawing/2014/main" id="{CC515A7A-FABE-4820-8830-0ABE1F6E46DC}"/>
+              </a:ext>
+            </a:extLst>
+          </p:cNvPr>
+          <p:cNvSpPr/>
+          <p:nvPr/>
+        </p:nvSpPr>
+        <p:spPr>
+          <a:xfrm>
+            <a:off x="4559456" y="5537537"/>
+            <a:ext cx="2298544" cy="1015663"/>
+          </a:xfrm>
+          <a:prstGeom prst="rect">
+            <a:avLst/>
+          </a:prstGeom>
+        </p:spPr>
+        <p:txBody>
+          <a:bodyPr wrap="square">
+            <a:spAutoFit/>
+          </a:bodyPr>
+          <a:lstStyle/>
+          <a:p>
+            <a:pPr marL="12700" marR="5080" algn="ctr">
+              <a:spcBef>
+                <a:spcPts val="100"/>
+              </a:spcBef>
+            </a:pPr>
+            <a:r>
+              <a:rPr lang="en-US" sz="1200" spc="-25" dirty="0">
+                <a:solidFill>
+                  <a:schemeClr val="tx1">
+                    <a:lumMod val="50000"/>
+                    <a:lumOff val="50000"/>
+                  </a:schemeClr>
+                </a:solidFill>
+                <a:latin typeface="Verdana"/>
+              </a:rPr>
+              <a:t>Optimizing level of effort by standardizing master data; applying category- specific insights to manage each major spend category</a:t>
+            </a:r>
+          </a:p>
+        </p:txBody>
+      </p:sp>
+      <p:sp>
+        <p:nvSpPr>
+          <p:cNvPr id="26" name="Rectangle 25">
+            <a:extLst>
+              <a:ext uri="{FF2B5EF4-FFF2-40B4-BE49-F238E27FC236}">
+                <a16:creationId xmlns:a16="http://schemas.microsoft.com/office/drawing/2014/main" id="{4087F156-3B3E-4EA3-858D-88BE7FAB4AFC}"/>
+              </a:ext>
+            </a:extLst>
+          </p:cNvPr>
+          <p:cNvSpPr/>
+          <p:nvPr/>
+        </p:nvSpPr>
+        <p:spPr>
+          <a:xfrm>
+            <a:off x="8014830" y="2182256"/>
+            <a:ext cx="3639800" cy="3685144"/>
+          </a:xfrm>
+          <a:prstGeom prst="rect">
+            <a:avLst/>
+          </a:prstGeom>
+          <a:solidFill>
+            <a:schemeClr val="bg1">
+              <a:lumMod val="95000"/>
+            </a:schemeClr>
+          </a:solidFill>
+          <a:ln>
+            <a:noFill/>
+          </a:ln>
+        </p:spPr>
+        <p:style>
+          <a:lnRef idx="2">
+            <a:schemeClr val="accent1">
+              <a:shade val="50000"/>
+            </a:schemeClr>
+          </a:lnRef>
+          <a:fillRef idx="1">
+            <a:schemeClr val="accent1"/>
+          </a:fillRef>
+          <a:effectRef idx="0">
+            <a:schemeClr val="accent1"/>
+          </a:effectRef>
+          <a:fontRef idx="minor">
+            <a:schemeClr val="lt1"/>
+          </a:fontRef>
+        </p:style>
+        <p:txBody>
+          <a:bodyPr rtlCol="0" anchor="ctr"/>
+          <a:lstStyle/>
+          <a:p>
+            <a:pPr algn="ctr"/>
+            <a:endParaRPr lang="en-US">
+              <a:solidFill>
+                <a:schemeClr val="tx1">
+                  <a:lumMod val="65000"/>
+                  <a:lumOff val="35000"/>
+                </a:schemeClr>
+              </a:solidFill>
+            </a:endParaRPr>
+          </a:p>
+        </p:txBody>
+      </p:sp>
+      <p:sp>
+        <p:nvSpPr>
+          <p:cNvPr id="27" name="object 17">
+            <a:extLst>
+              <a:ext uri="{FF2B5EF4-FFF2-40B4-BE49-F238E27FC236}">
+                <a16:creationId xmlns:a16="http://schemas.microsoft.com/office/drawing/2014/main" id="{CF339761-7A8E-4658-9BE2-B312388F8F0F}"/>
+              </a:ext>
+            </a:extLst>
+          </p:cNvPr>
+          <p:cNvSpPr txBox="1"/>
+          <p:nvPr/>
+        </p:nvSpPr>
+        <p:spPr>
+          <a:xfrm>
+            <a:off x="8267917" y="4037150"/>
+            <a:ext cx="3146449" cy="1467068"/>
+          </a:xfrm>
+          <a:prstGeom prst="rect">
+            <a:avLst/>
+          </a:prstGeom>
+        </p:spPr>
+        <p:txBody>
+          <a:bodyPr vert="horz" wrap="square" lIns="0" tIns="12700" rIns="0" bIns="0" rtlCol="0">
+            <a:spAutoFit/>
+          </a:bodyPr>
+          <a:lstStyle/>
+          <a:p>
+            <a:pPr marL="0" lvl="1" defTabSz="879104">
+              <a:spcBef>
+                <a:spcPts val="200"/>
+              </a:spcBef>
+              <a:spcAft>
+                <a:spcPts val="200"/>
+              </a:spcAft>
+              <a:defRPr/>
+            </a:pPr>
+            <a:r>
+              <a:rPr lang="en-US" sz="1050" spc="-5" dirty="0">
+                <a:solidFill>
+                  <a:schemeClr val="tx1">
+                    <a:lumMod val="65000"/>
+                    <a:lumOff val="35000"/>
+                  </a:schemeClr>
+                </a:solidFill>
+                <a:latin typeface="Verdana"/>
+              </a:rPr>
+              <a:t>I have worked on the Business Process Management and Demand Management related assignments. These involved automation design and implementation, change management. Automation implementation involved RPA for processes like PR-PO, I2C and O2C. Whereas change management was performed alongside a master data management implementation.</a:t>
+            </a:r>
+          </a:p>
+        </p:txBody>
+      </p:sp>
+      <p:sp>
+        <p:nvSpPr>
+          <p:cNvPr id="28" name="object 17">
+            <a:extLst>
+              <a:ext uri="{FF2B5EF4-FFF2-40B4-BE49-F238E27FC236}">
+                <a16:creationId xmlns:a16="http://schemas.microsoft.com/office/drawing/2014/main" id="{53DBAD66-4D16-4FBE-8456-E8229AA3E3DD}"/>
+              </a:ext>
+            </a:extLst>
+          </p:cNvPr>
+          <p:cNvSpPr txBox="1"/>
+          <p:nvPr/>
+        </p:nvSpPr>
+        <p:spPr>
+          <a:xfrm>
+            <a:off x="8267917" y="2408915"/>
+            <a:ext cx="3146449" cy="1305486"/>
+          </a:xfrm>
+          <a:prstGeom prst="rect">
+            <a:avLst/>
+          </a:prstGeom>
+        </p:spPr>
+        <p:txBody>
+          <a:bodyPr vert="horz" wrap="square" lIns="0" tIns="12700" rIns="0" bIns="0" rtlCol="0">
+            <a:spAutoFit/>
+          </a:bodyPr>
+          <a:lstStyle/>
+          <a:p>
+            <a:pPr marL="0" lvl="1" defTabSz="879104">
+              <a:spcBef>
+                <a:spcPts val="200"/>
+              </a:spcBef>
+              <a:spcAft>
+                <a:spcPts val="200"/>
+              </a:spcAft>
+              <a:defRPr/>
+            </a:pPr>
+            <a:r>
+              <a:rPr lang="en-US" sz="1050" spc="-5" dirty="0">
+                <a:solidFill>
+                  <a:schemeClr val="tx1">
+                    <a:lumMod val="65000"/>
+                    <a:lumOff val="35000"/>
+                  </a:schemeClr>
+                </a:solidFill>
+                <a:latin typeface="Verdana"/>
+              </a:rPr>
+              <a:t>These are the levers which are generally utilized to address the cost base. Technology implementation comes into picture at one point or the other, in my experience with cost transformation projects. It could be to automate processes, develop a visualizations to gauge organization data, consolidate product information, etc.</a:t>
+            </a:r>
+          </a:p>
+        </p:txBody>
+      </p:sp>
+      <p:sp>
+        <p:nvSpPr>
+          <p:cNvPr id="2" name="Rectangle 1">
+            <a:extLst>
+              <a:ext uri="{FF2B5EF4-FFF2-40B4-BE49-F238E27FC236}">
+                <a16:creationId xmlns:a16="http://schemas.microsoft.com/office/drawing/2014/main" id="{7C099B0B-4D9C-4799-BE3E-24B1CA7B70C2}"/>
+              </a:ext>
+            </a:extLst>
+          </p:cNvPr>
+          <p:cNvSpPr/>
+          <p:nvPr/>
+        </p:nvSpPr>
+        <p:spPr>
+          <a:xfrm>
+            <a:off x="1770279" y="1976649"/>
+            <a:ext cx="5062922" cy="276999"/>
+          </a:xfrm>
+          <a:prstGeom prst="rect">
+            <a:avLst/>
+          </a:prstGeom>
+        </p:spPr>
+        <p:txBody>
+          <a:bodyPr wrap="square">
+            <a:spAutoFit/>
+          </a:bodyPr>
+          <a:lstStyle/>
+          <a:p>
+            <a:pPr algn="ctr"/>
+            <a:r>
+              <a:rPr lang="en-US" sz="1200" b="1" spc="300" dirty="0">
+                <a:solidFill>
+                  <a:schemeClr val="tx1">
+                    <a:lumMod val="65000"/>
+                    <a:lumOff val="35000"/>
+                  </a:schemeClr>
+                </a:solidFill>
+                <a:latin typeface="Verdana"/>
+              </a:rPr>
+              <a:t>----Levers to address cost base----</a:t>
+            </a:r>
+            <a:endParaRPr lang="en-US" sz="1200" b="1" spc="300" dirty="0"/>
+          </a:p>
+        </p:txBody>
+      </p:sp>
+    </p:spTree>
+    <p:extLst>
+      <p:ext uri="{BB962C8B-B14F-4D97-AF65-F5344CB8AC3E}">
+        <p14:creationId xmlns:p14="http://schemas.microsoft.com/office/powerpoint/2010/main" val="2211986633"/>
       </p:ext>
     </p:extLst>
   </p:cSld>

--- a/Slides - Vishal Narsinghani.pptx
+++ b/Slides - Vishal Narsinghani.pptx
@@ -2184,49 +2184,6 @@
           <a:chExt cx="0" cy="0"/>
         </a:xfrm>
       </p:grpSpPr>
-      <p:sp>
-        <p:nvSpPr>
-          <p:cNvPr id="3" name="object 3"/>
-          <p:cNvSpPr txBox="1"/>
-          <p:nvPr/>
-        </p:nvSpPr>
-        <p:spPr>
-          <a:xfrm>
-            <a:off x="11605386" y="6467043"/>
-            <a:ext cx="129539" cy="124460"/>
-          </a:xfrm>
-          <a:prstGeom prst="rect">
-            <a:avLst/>
-          </a:prstGeom>
-        </p:spPr>
-        <p:txBody>
-          <a:bodyPr vert="horz" wrap="square" lIns="0" tIns="12065" rIns="0" bIns="0" rtlCol="0">
-            <a:spAutoFit/>
-          </a:bodyPr>
-          <a:lstStyle/>
-          <a:p>
-            <a:pPr marL="12700">
-              <a:lnSpc>
-                <a:spcPct val="100000"/>
-              </a:lnSpc>
-              <a:spcBef>
-                <a:spcPts val="95"/>
-              </a:spcBef>
-            </a:pPr>
-            <a:r>
-              <a:rPr sz="650" spc="-10" dirty="0">
-                <a:latin typeface="Verdana"/>
-                <a:cs typeface="Verdana"/>
-              </a:rPr>
-              <a:t>14</a:t>
-            </a:r>
-            <a:endParaRPr sz="650">
-              <a:latin typeface="Verdana"/>
-              <a:cs typeface="Verdana"/>
-            </a:endParaRPr>
-          </a:p>
-        </p:txBody>
-      </p:sp>
       <p:sp>
         <p:nvSpPr>
           <p:cNvPr id="8" name="object 8"/>
@@ -7729,49 +7686,6 @@
           <a:chExt cx="0" cy="0"/>
         </a:xfrm>
       </p:grpSpPr>
-      <p:sp>
-        <p:nvSpPr>
-          <p:cNvPr id="3" name="object 3"/>
-          <p:cNvSpPr txBox="1"/>
-          <p:nvPr/>
-        </p:nvSpPr>
-        <p:spPr>
-          <a:xfrm>
-            <a:off x="11605386" y="6467043"/>
-            <a:ext cx="129539" cy="124460"/>
-          </a:xfrm>
-          <a:prstGeom prst="rect">
-            <a:avLst/>
-          </a:prstGeom>
-        </p:spPr>
-        <p:txBody>
-          <a:bodyPr vert="horz" wrap="square" lIns="0" tIns="12065" rIns="0" bIns="0" rtlCol="0">
-            <a:spAutoFit/>
-          </a:bodyPr>
-          <a:lstStyle/>
-          <a:p>
-            <a:pPr marL="12700">
-              <a:lnSpc>
-                <a:spcPct val="100000"/>
-              </a:lnSpc>
-              <a:spcBef>
-                <a:spcPts val="95"/>
-              </a:spcBef>
-            </a:pPr>
-            <a:r>
-              <a:rPr sz="650" spc="-10" dirty="0">
-                <a:latin typeface="Verdana"/>
-                <a:cs typeface="Verdana"/>
-              </a:rPr>
-              <a:t>14</a:t>
-            </a:r>
-            <a:endParaRPr sz="650">
-              <a:latin typeface="Verdana"/>
-              <a:cs typeface="Verdana"/>
-            </a:endParaRPr>
-          </a:p>
-        </p:txBody>
-      </p:sp>
       <p:sp>
         <p:nvSpPr>
           <p:cNvPr id="8" name="object 8"/>
